--- a/Presentation/ASPNET-and-VS-Web-Tooling/ASPNET-and-VS-Web-Tooling.pptx
+++ b/Presentation/ASPNET-and-VS-Web-Tooling/ASPNET-and-VS-Web-Tooling.pptx
@@ -4579,8 +4579,8 @@
     <dgm:cxn modelId="{79ACB965-34F2-4D7F-A74C-97CA35113CB7}" srcId="{E34D014D-50A1-483F-9656-AAD6C7501DA3}" destId="{BB66D2DA-7A77-4B66-BE5F-F350F49094CE}" srcOrd="0" destOrd="0" parTransId="{2B4A20F9-D8AD-4CDA-AAE0-20C9320F7A90}" sibTransId="{BA8B2CE2-0CFA-4C0D-B61E-504D7BA38D92}"/>
     <dgm:cxn modelId="{74B0A2AE-2B0B-4D54-83EB-FAD27ED64749}" srcId="{6E68B19C-725E-4891-854B-CC93B208E3C4}" destId="{76BC8783-FBEC-4EA8-AA28-D72420ED6447}" srcOrd="0" destOrd="0" parTransId="{9FCAD086-F732-4BD0-B02B-047B531E5FD9}" sibTransId="{69BFBF5F-B824-4D94-87CB-8F63EA4C579B}"/>
     <dgm:cxn modelId="{C186F02B-C48C-4371-8FAA-EA0C84DCEE3D}" type="presOf" srcId="{BB66D2DA-7A77-4B66-BE5F-F350F49094CE}" destId="{93628BF6-C872-474C-A023-255B0924C40D}" srcOrd="1" destOrd="0" presId="urn:microsoft.com/office/officeart/2005/8/layout/hProcess6"/>
+    <dgm:cxn modelId="{D58C43B3-B67E-4797-82FD-0E38F0F5BF50}" type="presOf" srcId="{6E68B19C-725E-4891-854B-CC93B208E3C4}" destId="{3B9434FE-2FEA-4D22-A9A1-62CDE14B01AA}" srcOrd="0" destOrd="0" presId="urn:microsoft.com/office/officeart/2005/8/layout/hProcess6"/>
     <dgm:cxn modelId="{3DB34132-0313-4D74-B276-5E3E694EF960}" type="presOf" srcId="{76BC8783-FBEC-4EA8-AA28-D72420ED6447}" destId="{9C60DEFC-AB49-4DCA-977D-70E28068BAE6}" srcOrd="0" destOrd="0" presId="urn:microsoft.com/office/officeart/2005/8/layout/hProcess6"/>
-    <dgm:cxn modelId="{D58C43B3-B67E-4797-82FD-0E38F0F5BF50}" type="presOf" srcId="{6E68B19C-725E-4891-854B-CC93B208E3C4}" destId="{3B9434FE-2FEA-4D22-A9A1-62CDE14B01AA}" srcOrd="0" destOrd="0" presId="urn:microsoft.com/office/officeart/2005/8/layout/hProcess6"/>
     <dgm:cxn modelId="{96E39911-5D13-4011-86BB-02DE986CF62B}" type="presOf" srcId="{E34D014D-50A1-483F-9656-AAD6C7501DA3}" destId="{F8A75F2E-FB4C-4509-B2B1-441CCBC5584D}" srcOrd="0" destOrd="0" presId="urn:microsoft.com/office/officeart/2005/8/layout/hProcess6"/>
     <dgm:cxn modelId="{733612F6-F3D6-493A-B96E-B71B7BAB152A}" type="presOf" srcId="{86869A4E-B9CA-4929-BF42-86A54306F04F}" destId="{053403DF-A48F-48EF-AAC6-5DA2B9CA13EC}" srcOrd="1" destOrd="0" presId="urn:microsoft.com/office/officeart/2005/8/layout/hProcess6"/>
     <dgm:cxn modelId="{B7A7127E-2DD5-4B1E-9762-9FE9CBE1131B}" srcId="{922ED86D-766C-445C-A8E5-9CD678BEFD8C}" destId="{6E68B19C-725E-4891-854B-CC93B208E3C4}" srcOrd="2" destOrd="0" parTransId="{6CCDE32B-9A95-4471-9F05-3D0A922011FB}" sibTransId="{76994627-EC9A-4F5F-9D0D-326C3A0E3AC4}"/>
@@ -4900,15 +4900,15 @@
     </dgm:pt>
   </dgm:ptLst>
   <dgm:cxnLst>
-    <dgm:cxn modelId="{04D6E0F0-0D57-4DA9-AC08-C1D77E1F3780}" srcId="{8CFEE284-52FD-45E7-87BF-EB11812F63BB}" destId="{D5440E0E-7529-4BC2-B5B7-7C0F63D259B9}" srcOrd="3" destOrd="0" parTransId="{9BB6BCB4-D8ED-4323-9F66-60DC278C1DCE}" sibTransId="{61DEAA9B-AB30-4D01-8A4E-B2EEAC3A00BC}"/>
-    <dgm:cxn modelId="{FDF786CA-81F0-4C62-A43A-6FDAC4935A9E}" srcId="{8CFEE284-52FD-45E7-87BF-EB11812F63BB}" destId="{AF6A936D-4AD9-46CC-A371-C9D839149FA0}" srcOrd="2" destOrd="0" parTransId="{07A04451-CED7-481C-B1C9-F04C9698A3D6}" sibTransId="{86A25ABC-7DB5-447E-B18D-0ADE8C9C1A7C}"/>
-    <dgm:cxn modelId="{B81F3815-FCA0-4ED8-83BA-58A9DBF02B1A}" type="presOf" srcId="{D5440E0E-7529-4BC2-B5B7-7C0F63D259B9}" destId="{B290052F-5007-46EA-AECC-55B61C6D33E9}" srcOrd="0" destOrd="0" presId="urn:microsoft.com/office/officeart/2005/8/layout/default"/>
     <dgm:cxn modelId="{36FBBA49-CE1A-414E-AFFB-78C5627E8A11}" type="presOf" srcId="{B332C045-A908-4832-A542-E95E6FC72A16}" destId="{06BBD92D-FE5E-46CB-9773-5C1F67E88422}" srcOrd="0" destOrd="0" presId="urn:microsoft.com/office/officeart/2005/8/layout/default"/>
     <dgm:cxn modelId="{4644C166-478A-41F3-AA1A-FE47666B2531}" srcId="{8CFEE284-52FD-45E7-87BF-EB11812F63BB}" destId="{B332C045-A908-4832-A542-E95E6FC72A16}" srcOrd="0" destOrd="0" parTransId="{1D1DAD01-5399-4690-92AA-C9DD6205E343}" sibTransId="{B586C267-052C-453C-B59E-F42A28187EC6}"/>
+    <dgm:cxn modelId="{FDF786CA-81F0-4C62-A43A-6FDAC4935A9E}" srcId="{8CFEE284-52FD-45E7-87BF-EB11812F63BB}" destId="{AF6A936D-4AD9-46CC-A371-C9D839149FA0}" srcOrd="2" destOrd="0" parTransId="{07A04451-CED7-481C-B1C9-F04C9698A3D6}" sibTransId="{86A25ABC-7DB5-447E-B18D-0ADE8C9C1A7C}"/>
+    <dgm:cxn modelId="{EDFA12BB-9AD4-444C-97C1-720DE922654F}" type="presOf" srcId="{8CFEE284-52FD-45E7-87BF-EB11812F63BB}" destId="{FB24D83E-6A20-4FF4-B551-4C1BC150B0FF}" srcOrd="0" destOrd="0" presId="urn:microsoft.com/office/officeart/2005/8/layout/default"/>
+    <dgm:cxn modelId="{014F1DC0-BA09-499B-BD97-906185BE30DE}" type="presOf" srcId="{AF6A936D-4AD9-46CC-A371-C9D839149FA0}" destId="{D923CAFD-827E-418A-A6B8-CAEE602F9457}" srcOrd="0" destOrd="0" presId="urn:microsoft.com/office/officeart/2005/8/layout/default"/>
     <dgm:cxn modelId="{A2F82AEE-8931-400B-8C44-C530A0DCB31C}" type="presOf" srcId="{2DCBBCCE-5EA0-41AF-97FB-3E41F5E39A73}" destId="{06126733-B6E7-4AC8-B919-E10A89212D89}" srcOrd="0" destOrd="0" presId="urn:microsoft.com/office/officeart/2005/8/layout/default"/>
-    <dgm:cxn modelId="{014F1DC0-BA09-499B-BD97-906185BE30DE}" type="presOf" srcId="{AF6A936D-4AD9-46CC-A371-C9D839149FA0}" destId="{D923CAFD-827E-418A-A6B8-CAEE602F9457}" srcOrd="0" destOrd="0" presId="urn:microsoft.com/office/officeart/2005/8/layout/default"/>
-    <dgm:cxn modelId="{EDFA12BB-9AD4-444C-97C1-720DE922654F}" type="presOf" srcId="{8CFEE284-52FD-45E7-87BF-EB11812F63BB}" destId="{FB24D83E-6A20-4FF4-B551-4C1BC150B0FF}" srcOrd="0" destOrd="0" presId="urn:microsoft.com/office/officeart/2005/8/layout/default"/>
+    <dgm:cxn modelId="{B81F3815-FCA0-4ED8-83BA-58A9DBF02B1A}" type="presOf" srcId="{D5440E0E-7529-4BC2-B5B7-7C0F63D259B9}" destId="{B290052F-5007-46EA-AECC-55B61C6D33E9}" srcOrd="0" destOrd="0" presId="urn:microsoft.com/office/officeart/2005/8/layout/default"/>
     <dgm:cxn modelId="{A1AA5F86-5059-4B70-8FED-E688C6D88030}" srcId="{8CFEE284-52FD-45E7-87BF-EB11812F63BB}" destId="{2DCBBCCE-5EA0-41AF-97FB-3E41F5E39A73}" srcOrd="1" destOrd="0" parTransId="{8E67666B-8CFD-4DAA-AA42-1688A8992189}" sibTransId="{4377994E-3686-40D5-8813-6BB9A394AE86}"/>
+    <dgm:cxn modelId="{04D6E0F0-0D57-4DA9-AC08-C1D77E1F3780}" srcId="{8CFEE284-52FD-45E7-87BF-EB11812F63BB}" destId="{D5440E0E-7529-4BC2-B5B7-7C0F63D259B9}" srcOrd="3" destOrd="0" parTransId="{9BB6BCB4-D8ED-4323-9F66-60DC278C1DCE}" sibTransId="{61DEAA9B-AB30-4D01-8A4E-B2EEAC3A00BC}"/>
     <dgm:cxn modelId="{C50379E8-0656-4DDC-8541-BA62A82A7BB1}" type="presParOf" srcId="{FB24D83E-6A20-4FF4-B551-4C1BC150B0FF}" destId="{06BBD92D-FE5E-46CB-9773-5C1F67E88422}" srcOrd="0" destOrd="0" presId="urn:microsoft.com/office/officeart/2005/8/layout/default"/>
     <dgm:cxn modelId="{F3DFBA95-6697-43AA-B61C-62D5181D121F}" type="presParOf" srcId="{FB24D83E-6A20-4FF4-B551-4C1BC150B0FF}" destId="{820F59B1-CCA7-4C1D-A405-26CB2B0AED6D}" srcOrd="1" destOrd="0" presId="urn:microsoft.com/office/officeart/2005/8/layout/default"/>
     <dgm:cxn modelId="{C28D6249-6F00-4C1F-BDF9-B8C23E6B62B8}" type="presParOf" srcId="{FB24D83E-6A20-4FF4-B551-4C1BC150B0FF}" destId="{06126733-B6E7-4AC8-B919-E10A89212D89}" srcOrd="2" destOrd="0" presId="urn:microsoft.com/office/officeart/2005/8/layout/default"/>
@@ -5212,15 +5212,15 @@
     </dgm:pt>
   </dgm:ptLst>
   <dgm:cxnLst>
-    <dgm:cxn modelId="{814EB501-B13B-49D7-843F-35337B249C1D}" type="presOf" srcId="{4E70BFC1-F8B8-4005-9A2C-3CA1CBEAD2E7}" destId="{8197187E-98B4-4ED7-BB2D-7023BDB15A12}" srcOrd="0" destOrd="0" presId="urn:microsoft.com/office/officeart/2005/8/layout/default"/>
-    <dgm:cxn modelId="{EC0C8CD0-893A-40C6-BABE-C1B743BB8A0A}" srcId="{CFEF6922-2953-4844-8772-4D0BE5F2A43B}" destId="{E309E035-24A4-426F-8DA6-115127050953}" srcOrd="2" destOrd="0" parTransId="{26C9B4DA-8E41-4699-8634-EBBF97BAE762}" sibTransId="{CA55489A-D07B-4CAD-9FEB-43CF8D4E0F46}"/>
+    <dgm:cxn modelId="{D5CDDE82-2D78-4AF1-9635-AA5E1DBCB239}" srcId="{CFEF6922-2953-4844-8772-4D0BE5F2A43B}" destId="{5E3F697F-46D6-476F-94D3-C4E51534EAB3}" srcOrd="0" destOrd="0" parTransId="{831134A6-F103-4783-B355-77E6FA57E3D8}" sibTransId="{0D5C0E13-5A89-47C1-AFB5-31350484EC22}"/>
+    <dgm:cxn modelId="{66AE9B5E-717A-443D-91BD-4BA1DB303D3B}" type="presOf" srcId="{CFEF6922-2953-4844-8772-4D0BE5F2A43B}" destId="{B3BF2FE9-2578-4808-9E8D-807224AE412A}" srcOrd="0" destOrd="0" presId="urn:microsoft.com/office/officeart/2005/8/layout/default"/>
     <dgm:cxn modelId="{B87F2C48-BC80-4B06-AA50-DE2B4092C01A}" type="presOf" srcId="{06113B8B-2658-4A92-BB85-50BE49509E04}" destId="{F5BAB179-7F80-4971-B336-BDDA85FE537D}" srcOrd="0" destOrd="0" presId="urn:microsoft.com/office/officeart/2005/8/layout/default"/>
     <dgm:cxn modelId="{2D85614B-EA84-4DD9-AFCC-C414FA2CAB26}" type="presOf" srcId="{5E3F697F-46D6-476F-94D3-C4E51534EAB3}" destId="{EEC31F3F-5BD5-4E9E-A641-45E67C1E5B0B}" srcOrd="0" destOrd="0" presId="urn:microsoft.com/office/officeart/2005/8/layout/default"/>
+    <dgm:cxn modelId="{FA28F4EB-0942-4DF9-ABA8-D297532A98FE}" srcId="{CFEF6922-2953-4844-8772-4D0BE5F2A43B}" destId="{4E70BFC1-F8B8-4005-9A2C-3CA1CBEAD2E7}" srcOrd="3" destOrd="0" parTransId="{8989A643-2560-4B88-9152-22A02B8AB25B}" sibTransId="{54204B93-5A24-4C69-9517-6DD9CBD8981D}"/>
     <dgm:cxn modelId="{D447D6B5-7391-4709-995D-A15C87BC500A}" type="presOf" srcId="{E309E035-24A4-426F-8DA6-115127050953}" destId="{F27A7C40-7C1D-414B-8AEB-4CB7646ABB77}" srcOrd="0" destOrd="0" presId="urn:microsoft.com/office/officeart/2005/8/layout/default"/>
-    <dgm:cxn modelId="{D5CDDE82-2D78-4AF1-9635-AA5E1DBCB239}" srcId="{CFEF6922-2953-4844-8772-4D0BE5F2A43B}" destId="{5E3F697F-46D6-476F-94D3-C4E51534EAB3}" srcOrd="0" destOrd="0" parTransId="{831134A6-F103-4783-B355-77E6FA57E3D8}" sibTransId="{0D5C0E13-5A89-47C1-AFB5-31350484EC22}"/>
-    <dgm:cxn modelId="{66AE9B5E-717A-443D-91BD-4BA1DB303D3B}" type="presOf" srcId="{CFEF6922-2953-4844-8772-4D0BE5F2A43B}" destId="{B3BF2FE9-2578-4808-9E8D-807224AE412A}" srcOrd="0" destOrd="0" presId="urn:microsoft.com/office/officeart/2005/8/layout/default"/>
+    <dgm:cxn modelId="{EC0C8CD0-893A-40C6-BABE-C1B743BB8A0A}" srcId="{CFEF6922-2953-4844-8772-4D0BE5F2A43B}" destId="{E309E035-24A4-426F-8DA6-115127050953}" srcOrd="2" destOrd="0" parTransId="{26C9B4DA-8E41-4699-8634-EBBF97BAE762}" sibTransId="{CA55489A-D07B-4CAD-9FEB-43CF8D4E0F46}"/>
+    <dgm:cxn modelId="{814EB501-B13B-49D7-843F-35337B249C1D}" type="presOf" srcId="{4E70BFC1-F8B8-4005-9A2C-3CA1CBEAD2E7}" destId="{8197187E-98B4-4ED7-BB2D-7023BDB15A12}" srcOrd="0" destOrd="0" presId="urn:microsoft.com/office/officeart/2005/8/layout/default"/>
     <dgm:cxn modelId="{2FED6895-CCF7-46DE-84E8-47AA3355A220}" srcId="{CFEF6922-2953-4844-8772-4D0BE5F2A43B}" destId="{06113B8B-2658-4A92-BB85-50BE49509E04}" srcOrd="1" destOrd="0" parTransId="{97D85A37-D940-488F-AEBD-36A2510F5801}" sibTransId="{54A7AEC9-6E30-4296-8C0C-68A207840EB8}"/>
-    <dgm:cxn modelId="{FA28F4EB-0942-4DF9-ABA8-D297532A98FE}" srcId="{CFEF6922-2953-4844-8772-4D0BE5F2A43B}" destId="{4E70BFC1-F8B8-4005-9A2C-3CA1CBEAD2E7}" srcOrd="3" destOrd="0" parTransId="{8989A643-2560-4B88-9152-22A02B8AB25B}" sibTransId="{54204B93-5A24-4C69-9517-6DD9CBD8981D}"/>
     <dgm:cxn modelId="{9A7F21B1-B4E6-4DD7-A887-2937BE7DD74B}" type="presParOf" srcId="{B3BF2FE9-2578-4808-9E8D-807224AE412A}" destId="{EEC31F3F-5BD5-4E9E-A641-45E67C1E5B0B}" srcOrd="0" destOrd="0" presId="urn:microsoft.com/office/officeart/2005/8/layout/default"/>
     <dgm:cxn modelId="{7F841B0B-CD5A-4C15-92DB-CE332088FECE}" type="presParOf" srcId="{B3BF2FE9-2578-4808-9E8D-807224AE412A}" destId="{864A375E-8BF8-49E0-8F26-4EE76E5CEF29}" srcOrd="1" destOrd="0" presId="urn:microsoft.com/office/officeart/2005/8/layout/default"/>
     <dgm:cxn modelId="{D1870070-051B-403C-A296-019096D09856}" type="presParOf" srcId="{B3BF2FE9-2578-4808-9E8D-807224AE412A}" destId="{F5BAB179-7F80-4971-B336-BDDA85FE537D}" srcOrd="2" destOrd="0" presId="urn:microsoft.com/office/officeart/2005/8/layout/default"/>
@@ -5843,8 +5843,8 @@
     <dgm:cxn modelId="{ADDE8342-D97C-4221-ACAB-0FFCB3FBAFD6}" type="presOf" srcId="{06113B8B-2658-4A92-BB85-50BE49509E04}" destId="{F5BAB179-7F80-4971-B336-BDDA85FE537D}" srcOrd="0" destOrd="0" presId="urn:microsoft.com/office/officeart/2005/8/layout/default"/>
     <dgm:cxn modelId="{EFEA5B32-D2FC-43D8-8910-2BEEF3E49684}" type="presOf" srcId="{4E70BFC1-F8B8-4005-9A2C-3CA1CBEAD2E7}" destId="{8197187E-98B4-4ED7-BB2D-7023BDB15A12}" srcOrd="0" destOrd="0" presId="urn:microsoft.com/office/officeart/2005/8/layout/default"/>
     <dgm:cxn modelId="{D5CDDE82-2D78-4AF1-9635-AA5E1DBCB239}" srcId="{CFEF6922-2953-4844-8772-4D0BE5F2A43B}" destId="{5E3F697F-46D6-476F-94D3-C4E51534EAB3}" srcOrd="0" destOrd="0" parTransId="{831134A6-F103-4783-B355-77E6FA57E3D8}" sibTransId="{0D5C0E13-5A89-47C1-AFB5-31350484EC22}"/>
+    <dgm:cxn modelId="{FA28F4EB-0942-4DF9-ABA8-D297532A98FE}" srcId="{CFEF6922-2953-4844-8772-4D0BE5F2A43B}" destId="{4E70BFC1-F8B8-4005-9A2C-3CA1CBEAD2E7}" srcOrd="3" destOrd="0" parTransId="{8989A643-2560-4B88-9152-22A02B8AB25B}" sibTransId="{54204B93-5A24-4C69-9517-6DD9CBD8981D}"/>
     <dgm:cxn modelId="{2FED6895-CCF7-46DE-84E8-47AA3355A220}" srcId="{CFEF6922-2953-4844-8772-4D0BE5F2A43B}" destId="{06113B8B-2658-4A92-BB85-50BE49509E04}" srcOrd="1" destOrd="0" parTransId="{97D85A37-D940-488F-AEBD-36A2510F5801}" sibTransId="{54A7AEC9-6E30-4296-8C0C-68A207840EB8}"/>
-    <dgm:cxn modelId="{FA28F4EB-0942-4DF9-ABA8-D297532A98FE}" srcId="{CFEF6922-2953-4844-8772-4D0BE5F2A43B}" destId="{4E70BFC1-F8B8-4005-9A2C-3CA1CBEAD2E7}" srcOrd="3" destOrd="0" parTransId="{8989A643-2560-4B88-9152-22A02B8AB25B}" sibTransId="{54204B93-5A24-4C69-9517-6DD9CBD8981D}"/>
     <dgm:cxn modelId="{289CA0CF-3A57-494F-8550-FE689D326B93}" type="presParOf" srcId="{B3BF2FE9-2578-4808-9E8D-807224AE412A}" destId="{EEC31F3F-5BD5-4E9E-A641-45E67C1E5B0B}" srcOrd="0" destOrd="0" presId="urn:microsoft.com/office/officeart/2005/8/layout/default"/>
     <dgm:cxn modelId="{B04A9EDC-C916-4507-9357-EC0932AF101E}" type="presParOf" srcId="{B3BF2FE9-2578-4808-9E8D-807224AE412A}" destId="{864A375E-8BF8-49E0-8F26-4EE76E5CEF29}" srcOrd="1" destOrd="0" presId="urn:microsoft.com/office/officeart/2005/8/layout/default"/>
     <dgm:cxn modelId="{077792E4-8107-4215-AF2C-FD87B8957582}" type="presParOf" srcId="{B3BF2FE9-2578-4808-9E8D-807224AE412A}" destId="{F5BAB179-7F80-4971-B336-BDDA85FE537D}" srcOrd="2" destOrd="0" presId="urn:microsoft.com/office/officeart/2005/8/layout/default"/>
@@ -13973,7 +13973,7 @@
           <a:p>
             <a:fld id="{0E990FE3-7537-4D15-A9F5-FDF1805FD5F8}" type="datetimeFigureOut">
               <a:rPr lang="en-US" smtClean="0"/>
-              <a:t>12/7/2013</a:t>
+              <a:t>10/3/2014</a:t>
             </a:fld>
             <a:endParaRPr lang="en-US"/>
           </a:p>
@@ -14419,7 +14419,7 @@
           <a:p>
             <a:pPr defTabSz="914099" eaLnBrk="0" hangingPunct="0"/>
             <a:r>
-              <a:rPr lang="en-US" sz="400" smtClean="0">
+              <a:rPr lang="en-US" sz="400" dirty="0" smtClean="0">
                 <a:gradFill>
                   <a:gsLst>
                     <a:gs pos="0">
@@ -14435,13 +14435,51 @@
                 <a:ea typeface="Segoe UI" pitchFamily="34" charset="0"/>
                 <a:cs typeface="Segoe UI" pitchFamily="34" charset="0"/>
               </a:rPr>
-              <a:t>© 2012 Microsoft Corporation. All rights reserved. Microsoft, Windows, and other product names are or may be registered trademarks and/or trademarks in the U.S. and/or other countries.</a:t>
+              <a:t>© 2012 Microsoft Corporation. All rights reserved. Microsoft, </a:t>
+            </a:r>
+            <a:r>
+              <a:rPr lang="en-US" sz="400" dirty="0" smtClean="0">
+                <a:gradFill>
+                  <a:gsLst>
+                    <a:gs pos="0">
+                      <a:prstClr val="black"/>
+                    </a:gs>
+                    <a:gs pos="100000">
+                      <a:prstClr val="black"/>
+                    </a:gs>
+                  </a:gsLst>
+                  <a:lin ang="5400000" scaled="0"/>
+                </a:gradFill>
+                <a:latin typeface="Segoe UI" pitchFamily="34" charset="0"/>
+                <a:ea typeface="Segoe UI" pitchFamily="34" charset="0"/>
+                <a:cs typeface="Segoe UI" pitchFamily="34" charset="0"/>
+              </a:rPr>
+              <a:t>Microsoft, </a:t>
+            </a:r>
+            <a:r>
+              <a:rPr lang="en-US" sz="400" dirty="0" smtClean="0">
+                <a:gradFill>
+                  <a:gsLst>
+                    <a:gs pos="0">
+                      <a:prstClr val="black"/>
+                    </a:gs>
+                    <a:gs pos="100000">
+                      <a:prstClr val="black"/>
+                    </a:gs>
+                  </a:gsLst>
+                  <a:lin ang="5400000" scaled="0"/>
+                </a:gradFill>
+                <a:latin typeface="Segoe UI" pitchFamily="34" charset="0"/>
+                <a:ea typeface="Segoe UI" pitchFamily="34" charset="0"/>
+                <a:cs typeface="Segoe UI" pitchFamily="34" charset="0"/>
+              </a:rPr>
+              <a:t>and other product names are or may be registered trademarks and/or trademarks in the U.S. and/or other countries.</a:t>
             </a:r>
           </a:p>
           <a:p>
             <a:pPr defTabSz="914099" eaLnBrk="0" hangingPunct="0"/>
             <a:r>
-              <a:rPr lang="en-US" sz="400" smtClean="0">
+              <a:rPr lang="en-US" sz="400" dirty="0" smtClean="0">
                 <a:gradFill>
                   <a:gsLst>
                     <a:gs pos="0">
@@ -14459,22 +14497,6 @@
               </a:rPr>
               <a:t>The information herein is for informational purposes only and represents the current view of Microsoft Corporation as of the date of this presentation.  Because Microsoft must respond to changing market conditions, it should not be interpreted to be a commitment on the part of Microsoft, and Microsoft cannot guarantee the accuracy of any information provided after the date of this presentation.  MICROSOFT MAKES NO WARRANTIES, EXPRESS, IMPLIED OR STATUTORY, AS TO THE INFORMATION IN THIS PRESENTATION.</a:t>
             </a:r>
-            <a:endParaRPr lang="en-US" sz="400" dirty="0" smtClean="0">
-              <a:gradFill>
-                <a:gsLst>
-                  <a:gs pos="0">
-                    <a:prstClr val="black"/>
-                  </a:gs>
-                  <a:gs pos="100000">
-                    <a:prstClr val="black"/>
-                  </a:gs>
-                </a:gsLst>
-                <a:lin ang="5400000" scaled="0"/>
-              </a:gradFill>
-              <a:latin typeface="Segoe UI" pitchFamily="34" charset="0"/>
-              <a:ea typeface="Segoe UI" pitchFamily="34" charset="0"/>
-              <a:cs typeface="Segoe UI" pitchFamily="34" charset="0"/>
-            </a:endParaRPr>
           </a:p>
         </p:txBody>
       </p:sp>
@@ -14495,7 +14517,7 @@
           <a:p>
             <a:fld id="{A9970F64-953B-405E-BC1E-CCCF6619DB06}" type="datetime1">
               <a:rPr lang="en-US" smtClean="0"/>
-              <a:t>12/8/2013</a:t>
+              <a:t>10/3/2014</a:t>
             </a:fld>
             <a:endParaRPr lang="en-US" dirty="0"/>
           </a:p>
@@ -14622,7 +14644,7 @@
           <a:p>
             <a:pPr defTabSz="914099" eaLnBrk="0" hangingPunct="0"/>
             <a:r>
-              <a:rPr lang="en-US" sz="400" smtClean="0">
+              <a:rPr lang="en-US" sz="400" dirty="0" smtClean="0">
                 <a:gradFill>
                   <a:gsLst>
                     <a:gs pos="0">
@@ -14638,13 +14660,51 @@
                 <a:ea typeface="Segoe UI" pitchFamily="34" charset="0"/>
                 <a:cs typeface="Segoe UI" pitchFamily="34" charset="0"/>
               </a:rPr>
-              <a:t>© 2012 Microsoft Corporation. All rights reserved. Microsoft, Windows, and other product names are or may be registered trademarks and/or trademarks in the U.S. and/or other countries.</a:t>
+              <a:t>© 2012 Microsoft Corporation. All rights reserved. Microsoft, </a:t>
+            </a:r>
+            <a:r>
+              <a:rPr lang="en-US" sz="400" dirty="0" smtClean="0">
+                <a:gradFill>
+                  <a:gsLst>
+                    <a:gs pos="0">
+                      <a:prstClr val="black"/>
+                    </a:gs>
+                    <a:gs pos="100000">
+                      <a:prstClr val="black"/>
+                    </a:gs>
+                  </a:gsLst>
+                  <a:lin ang="5400000" scaled="0"/>
+                </a:gradFill>
+                <a:latin typeface="Segoe UI" pitchFamily="34" charset="0"/>
+                <a:ea typeface="Segoe UI" pitchFamily="34" charset="0"/>
+                <a:cs typeface="Segoe UI" pitchFamily="34" charset="0"/>
+              </a:rPr>
+              <a:t>Microsoft, </a:t>
+            </a:r>
+            <a:r>
+              <a:rPr lang="en-US" sz="400" dirty="0" smtClean="0">
+                <a:gradFill>
+                  <a:gsLst>
+                    <a:gs pos="0">
+                      <a:prstClr val="black"/>
+                    </a:gs>
+                    <a:gs pos="100000">
+                      <a:prstClr val="black"/>
+                    </a:gs>
+                  </a:gsLst>
+                  <a:lin ang="5400000" scaled="0"/>
+                </a:gradFill>
+                <a:latin typeface="Segoe UI" pitchFamily="34" charset="0"/>
+                <a:ea typeface="Segoe UI" pitchFamily="34" charset="0"/>
+                <a:cs typeface="Segoe UI" pitchFamily="34" charset="0"/>
+              </a:rPr>
+              <a:t>and other product names are or may be registered trademarks and/or trademarks in the U.S. and/or other countries.</a:t>
             </a:r>
           </a:p>
           <a:p>
             <a:pPr defTabSz="914099" eaLnBrk="0" hangingPunct="0"/>
             <a:r>
-              <a:rPr lang="en-US" sz="400" smtClean="0">
+              <a:rPr lang="en-US" sz="400" dirty="0" smtClean="0">
                 <a:gradFill>
                   <a:gsLst>
                     <a:gs pos="0">
@@ -14662,22 +14722,6 @@
               </a:rPr>
               <a:t>The information herein is for informational purposes only and represents the current view of Microsoft Corporation as of the date of this presentation.  Because Microsoft must respond to changing market conditions, it should not be interpreted to be a commitment on the part of Microsoft, and Microsoft cannot guarantee the accuracy of any information provided after the date of this presentation.  MICROSOFT MAKES NO WARRANTIES, EXPRESS, IMPLIED OR STATUTORY, AS TO THE INFORMATION IN THIS PRESENTATION.</a:t>
             </a:r>
-            <a:endParaRPr lang="en-US" sz="400" dirty="0" smtClean="0">
-              <a:gradFill>
-                <a:gsLst>
-                  <a:gs pos="0">
-                    <a:prstClr val="black"/>
-                  </a:gs>
-                  <a:gs pos="100000">
-                    <a:prstClr val="black"/>
-                  </a:gs>
-                </a:gsLst>
-                <a:lin ang="5400000" scaled="0"/>
-              </a:gradFill>
-              <a:latin typeface="Segoe UI" pitchFamily="34" charset="0"/>
-              <a:ea typeface="Segoe UI" pitchFamily="34" charset="0"/>
-              <a:cs typeface="Segoe UI" pitchFamily="34" charset="0"/>
-            </a:endParaRPr>
           </a:p>
         </p:txBody>
       </p:sp>
@@ -14698,7 +14742,7 @@
           <a:p>
             <a:fld id="{042E64AC-1CE6-49D9-84F1-EA66C04C420D}" type="datetime1">
               <a:rPr lang="en-US" smtClean="0"/>
-              <a:t>12/8/2013</a:t>
+              <a:t>10/3/2014</a:t>
             </a:fld>
             <a:endParaRPr lang="en-US" dirty="0"/>
           </a:p>
@@ -14825,7 +14869,7 @@
           <a:p>
             <a:pPr defTabSz="914099" eaLnBrk="0" hangingPunct="0"/>
             <a:r>
-              <a:rPr lang="en-US" sz="400" smtClean="0">
+              <a:rPr lang="en-US" sz="400" dirty="0" smtClean="0">
                 <a:gradFill>
                   <a:gsLst>
                     <a:gs pos="0">
@@ -14841,13 +14885,51 @@
                 <a:ea typeface="Segoe UI" pitchFamily="34" charset="0"/>
                 <a:cs typeface="Segoe UI" pitchFamily="34" charset="0"/>
               </a:rPr>
-              <a:t>© 2012 Microsoft Corporation. All rights reserved. Microsoft, Windows, and other product names are or may be registered trademarks and/or trademarks in the U.S. and/or other countries.</a:t>
+              <a:t>© 2012 Microsoft Corporation. All rights reserved. Microsoft, </a:t>
+            </a:r>
+            <a:r>
+              <a:rPr lang="en-US" sz="400" dirty="0" smtClean="0">
+                <a:gradFill>
+                  <a:gsLst>
+                    <a:gs pos="0">
+                      <a:prstClr val="black"/>
+                    </a:gs>
+                    <a:gs pos="100000">
+                      <a:prstClr val="black"/>
+                    </a:gs>
+                  </a:gsLst>
+                  <a:lin ang="5400000" scaled="0"/>
+                </a:gradFill>
+                <a:latin typeface="Segoe UI" pitchFamily="34" charset="0"/>
+                <a:ea typeface="Segoe UI" pitchFamily="34" charset="0"/>
+                <a:cs typeface="Segoe UI" pitchFamily="34" charset="0"/>
+              </a:rPr>
+              <a:t>Microsoft, </a:t>
+            </a:r>
+            <a:r>
+              <a:rPr lang="en-US" sz="400" dirty="0" smtClean="0">
+                <a:gradFill>
+                  <a:gsLst>
+                    <a:gs pos="0">
+                      <a:prstClr val="black"/>
+                    </a:gs>
+                    <a:gs pos="100000">
+                      <a:prstClr val="black"/>
+                    </a:gs>
+                  </a:gsLst>
+                  <a:lin ang="5400000" scaled="0"/>
+                </a:gradFill>
+                <a:latin typeface="Segoe UI" pitchFamily="34" charset="0"/>
+                <a:ea typeface="Segoe UI" pitchFamily="34" charset="0"/>
+                <a:cs typeface="Segoe UI" pitchFamily="34" charset="0"/>
+              </a:rPr>
+              <a:t>and other product names are or may be registered trademarks and/or trademarks in the U.S. and/or other countries.</a:t>
             </a:r>
           </a:p>
           <a:p>
             <a:pPr defTabSz="914099" eaLnBrk="0" hangingPunct="0"/>
             <a:r>
-              <a:rPr lang="en-US" sz="400" smtClean="0">
+              <a:rPr lang="en-US" sz="400" dirty="0" smtClean="0">
                 <a:gradFill>
                   <a:gsLst>
                     <a:gs pos="0">
@@ -14865,22 +14947,6 @@
               </a:rPr>
               <a:t>The information herein is for informational purposes only and represents the current view of Microsoft Corporation as of the date of this presentation.  Because Microsoft must respond to changing market conditions, it should not be interpreted to be a commitment on the part of Microsoft, and Microsoft cannot guarantee the accuracy of any information provided after the date of this presentation.  MICROSOFT MAKES NO WARRANTIES, EXPRESS, IMPLIED OR STATUTORY, AS TO THE INFORMATION IN THIS PRESENTATION.</a:t>
             </a:r>
-            <a:endParaRPr lang="en-US" sz="400" dirty="0" smtClean="0">
-              <a:gradFill>
-                <a:gsLst>
-                  <a:gs pos="0">
-                    <a:prstClr val="black"/>
-                  </a:gs>
-                  <a:gs pos="100000">
-                    <a:prstClr val="black"/>
-                  </a:gs>
-                </a:gsLst>
-                <a:lin ang="5400000" scaled="0"/>
-              </a:gradFill>
-              <a:latin typeface="Segoe UI" pitchFamily="34" charset="0"/>
-              <a:ea typeface="Segoe UI" pitchFamily="34" charset="0"/>
-              <a:cs typeface="Segoe UI" pitchFamily="34" charset="0"/>
-            </a:endParaRPr>
           </a:p>
         </p:txBody>
       </p:sp>
@@ -14901,7 +14967,7 @@
           <a:p>
             <a:fld id="{E0B874F6-01F1-466C-A859-44A61649DE51}" type="datetime1">
               <a:rPr lang="en-US" smtClean="0"/>
-              <a:t>12/8/2013</a:t>
+              <a:t>10/3/2014</a:t>
             </a:fld>
             <a:endParaRPr lang="en-US" dirty="0"/>
           </a:p>
@@ -15028,7 +15094,7 @@
           <a:p>
             <a:pPr defTabSz="914099" eaLnBrk="0" hangingPunct="0"/>
             <a:r>
-              <a:rPr lang="en-US" sz="400" smtClean="0">
+              <a:rPr lang="en-US" sz="400" dirty="0" smtClean="0">
                 <a:gradFill>
                   <a:gsLst>
                     <a:gs pos="0">
@@ -15044,13 +15110,51 @@
                 <a:ea typeface="Segoe UI" pitchFamily="34" charset="0"/>
                 <a:cs typeface="Segoe UI" pitchFamily="34" charset="0"/>
               </a:rPr>
-              <a:t>© 2012 Microsoft Corporation. All rights reserved. Microsoft, Windows, and other product names are or may be registered trademarks and/or trademarks in the U.S. and/or other countries.</a:t>
+              <a:t>© 2012 Microsoft Corporation. All rights reserved. Microsoft, </a:t>
+            </a:r>
+            <a:r>
+              <a:rPr lang="en-US" sz="400" dirty="0" smtClean="0">
+                <a:gradFill>
+                  <a:gsLst>
+                    <a:gs pos="0">
+                      <a:prstClr val="black"/>
+                    </a:gs>
+                    <a:gs pos="100000">
+                      <a:prstClr val="black"/>
+                    </a:gs>
+                  </a:gsLst>
+                  <a:lin ang="5400000" scaled="0"/>
+                </a:gradFill>
+                <a:latin typeface="Segoe UI" pitchFamily="34" charset="0"/>
+                <a:ea typeface="Segoe UI" pitchFamily="34" charset="0"/>
+                <a:cs typeface="Segoe UI" pitchFamily="34" charset="0"/>
+              </a:rPr>
+              <a:t>Microsoft, </a:t>
+            </a:r>
+            <a:r>
+              <a:rPr lang="en-US" sz="400" dirty="0" smtClean="0">
+                <a:gradFill>
+                  <a:gsLst>
+                    <a:gs pos="0">
+                      <a:prstClr val="black"/>
+                    </a:gs>
+                    <a:gs pos="100000">
+                      <a:prstClr val="black"/>
+                    </a:gs>
+                  </a:gsLst>
+                  <a:lin ang="5400000" scaled="0"/>
+                </a:gradFill>
+                <a:latin typeface="Segoe UI" pitchFamily="34" charset="0"/>
+                <a:ea typeface="Segoe UI" pitchFamily="34" charset="0"/>
+                <a:cs typeface="Segoe UI" pitchFamily="34" charset="0"/>
+              </a:rPr>
+              <a:t>and other product names are or may be registered trademarks and/or trademarks in the U.S. and/or other countries.</a:t>
             </a:r>
           </a:p>
           <a:p>
             <a:pPr defTabSz="914099" eaLnBrk="0" hangingPunct="0"/>
             <a:r>
-              <a:rPr lang="en-US" sz="400" smtClean="0">
+              <a:rPr lang="en-US" sz="400" dirty="0" smtClean="0">
                 <a:gradFill>
                   <a:gsLst>
                     <a:gs pos="0">
@@ -15068,22 +15172,6 @@
               </a:rPr>
               <a:t>The information herein is for informational purposes only and represents the current view of Microsoft Corporation as of the date of this presentation.  Because Microsoft must respond to changing market conditions, it should not be interpreted to be a commitment on the part of Microsoft, and Microsoft cannot guarantee the accuracy of any information provided after the date of this presentation.  MICROSOFT MAKES NO WARRANTIES, EXPRESS, IMPLIED OR STATUTORY, AS TO THE INFORMATION IN THIS PRESENTATION.</a:t>
             </a:r>
-            <a:endParaRPr lang="en-US" sz="400" dirty="0" smtClean="0">
-              <a:gradFill>
-                <a:gsLst>
-                  <a:gs pos="0">
-                    <a:prstClr val="black"/>
-                  </a:gs>
-                  <a:gs pos="100000">
-                    <a:prstClr val="black"/>
-                  </a:gs>
-                </a:gsLst>
-                <a:lin ang="5400000" scaled="0"/>
-              </a:gradFill>
-              <a:latin typeface="Segoe UI" pitchFamily="34" charset="0"/>
-              <a:ea typeface="Segoe UI" pitchFamily="34" charset="0"/>
-              <a:cs typeface="Segoe UI" pitchFamily="34" charset="0"/>
-            </a:endParaRPr>
           </a:p>
         </p:txBody>
       </p:sp>
@@ -15104,7 +15192,7 @@
           <a:p>
             <a:fld id="{3981007E-56B8-4E4D-80F8-EC068B80625A}" type="datetime1">
               <a:rPr lang="en-US" smtClean="0"/>
-              <a:t>12/8/2013</a:t>
+              <a:t>10/3/2014</a:t>
             </a:fld>
             <a:endParaRPr lang="en-US" dirty="0"/>
           </a:p>
@@ -15239,7 +15327,7 @@
           <a:p>
             <a:pPr defTabSz="914099" eaLnBrk="0" hangingPunct="0"/>
             <a:r>
-              <a:rPr lang="en-US" sz="400" smtClean="0">
+              <a:rPr lang="en-US" sz="400" dirty="0" smtClean="0">
                 <a:gradFill>
                   <a:gsLst>
                     <a:gs pos="0">
@@ -15255,13 +15343,51 @@
                 <a:ea typeface="Segoe UI" pitchFamily="34" charset="0"/>
                 <a:cs typeface="Segoe UI" pitchFamily="34" charset="0"/>
               </a:rPr>
-              <a:t>© 2012 Microsoft Corporation. All rights reserved. Microsoft, Windows, and other product names are or may be registered trademarks and/or trademarks in the U.S. and/or other countries.</a:t>
+              <a:t>© 2012 Microsoft Corporation. All rights reserved. Microsoft, </a:t>
+            </a:r>
+            <a:r>
+              <a:rPr lang="en-US" sz="400" dirty="0" smtClean="0">
+                <a:gradFill>
+                  <a:gsLst>
+                    <a:gs pos="0">
+                      <a:prstClr val="black"/>
+                    </a:gs>
+                    <a:gs pos="100000">
+                      <a:prstClr val="black"/>
+                    </a:gs>
+                  </a:gsLst>
+                  <a:lin ang="5400000" scaled="0"/>
+                </a:gradFill>
+                <a:latin typeface="Segoe UI" pitchFamily="34" charset="0"/>
+                <a:ea typeface="Segoe UI" pitchFamily="34" charset="0"/>
+                <a:cs typeface="Segoe UI" pitchFamily="34" charset="0"/>
+              </a:rPr>
+              <a:t>Microsoft, </a:t>
+            </a:r>
+            <a:r>
+              <a:rPr lang="en-US" sz="400" dirty="0" smtClean="0">
+                <a:gradFill>
+                  <a:gsLst>
+                    <a:gs pos="0">
+                      <a:prstClr val="black"/>
+                    </a:gs>
+                    <a:gs pos="100000">
+                      <a:prstClr val="black"/>
+                    </a:gs>
+                  </a:gsLst>
+                  <a:lin ang="5400000" scaled="0"/>
+                </a:gradFill>
+                <a:latin typeface="Segoe UI" pitchFamily="34" charset="0"/>
+                <a:ea typeface="Segoe UI" pitchFamily="34" charset="0"/>
+                <a:cs typeface="Segoe UI" pitchFamily="34" charset="0"/>
+              </a:rPr>
+              <a:t>and other product names are or may be registered trademarks and/or trademarks in the U.S. and/or other countries.</a:t>
             </a:r>
           </a:p>
           <a:p>
             <a:pPr defTabSz="914099" eaLnBrk="0" hangingPunct="0"/>
             <a:r>
-              <a:rPr lang="en-US" sz="400" smtClean="0">
+              <a:rPr lang="en-US" sz="400" dirty="0" smtClean="0">
                 <a:gradFill>
                   <a:gsLst>
                     <a:gs pos="0">
@@ -15279,22 +15405,6 @@
               </a:rPr>
               <a:t>The information herein is for informational purposes only and represents the current view of Microsoft Corporation as of the date of this presentation.  Because Microsoft must respond to changing market conditions, it should not be interpreted to be a commitment on the part of Microsoft, and Microsoft cannot guarantee the accuracy of any information provided after the date of this presentation.  MICROSOFT MAKES NO WARRANTIES, EXPRESS, IMPLIED OR STATUTORY, AS TO THE INFORMATION IN THIS PRESENTATION.</a:t>
             </a:r>
-            <a:endParaRPr lang="en-US" sz="400" dirty="0" smtClean="0">
-              <a:gradFill>
-                <a:gsLst>
-                  <a:gs pos="0">
-                    <a:prstClr val="black"/>
-                  </a:gs>
-                  <a:gs pos="100000">
-                    <a:prstClr val="black"/>
-                  </a:gs>
-                </a:gsLst>
-                <a:lin ang="5400000" scaled="0"/>
-              </a:gradFill>
-              <a:latin typeface="Segoe UI" pitchFamily="34" charset="0"/>
-              <a:ea typeface="Segoe UI" pitchFamily="34" charset="0"/>
-              <a:cs typeface="Segoe UI" pitchFamily="34" charset="0"/>
-            </a:endParaRPr>
           </a:p>
         </p:txBody>
       </p:sp>
@@ -15315,7 +15425,7 @@
           <a:p>
             <a:fld id="{76D04415-B59E-4C7B-B9F3-190CA9C2CD82}" type="datetime1">
               <a:rPr lang="en-US" smtClean="0"/>
-              <a:t>12/8/2013</a:t>
+              <a:t>10/3/2014</a:t>
             </a:fld>
             <a:endParaRPr lang="en-US" dirty="0"/>
           </a:p>
@@ -15442,7 +15552,7 @@
           <a:p>
             <a:pPr defTabSz="914099" eaLnBrk="0" hangingPunct="0"/>
             <a:r>
-              <a:rPr lang="en-US" sz="400" smtClean="0">
+              <a:rPr lang="en-US" sz="400" dirty="0" smtClean="0">
                 <a:gradFill>
                   <a:gsLst>
                     <a:gs pos="0">
@@ -15458,13 +15568,51 @@
                 <a:ea typeface="Segoe UI" pitchFamily="34" charset="0"/>
                 <a:cs typeface="Segoe UI" pitchFamily="34" charset="0"/>
               </a:rPr>
-              <a:t>© 2012 Microsoft Corporation. All rights reserved. Microsoft, Windows, and other product names are or may be registered trademarks and/or trademarks in the U.S. and/or other countries.</a:t>
+              <a:t>© 2012 Microsoft Corporation. All rights reserved. Microsoft, </a:t>
+            </a:r>
+            <a:r>
+              <a:rPr lang="en-US" sz="400" dirty="0" smtClean="0">
+                <a:gradFill>
+                  <a:gsLst>
+                    <a:gs pos="0">
+                      <a:prstClr val="black"/>
+                    </a:gs>
+                    <a:gs pos="100000">
+                      <a:prstClr val="black"/>
+                    </a:gs>
+                  </a:gsLst>
+                  <a:lin ang="5400000" scaled="0"/>
+                </a:gradFill>
+                <a:latin typeface="Segoe UI" pitchFamily="34" charset="0"/>
+                <a:ea typeface="Segoe UI" pitchFamily="34" charset="0"/>
+                <a:cs typeface="Segoe UI" pitchFamily="34" charset="0"/>
+              </a:rPr>
+              <a:t>Microsoft, </a:t>
+            </a:r>
+            <a:r>
+              <a:rPr lang="en-US" sz="400" dirty="0" smtClean="0">
+                <a:gradFill>
+                  <a:gsLst>
+                    <a:gs pos="0">
+                      <a:prstClr val="black"/>
+                    </a:gs>
+                    <a:gs pos="100000">
+                      <a:prstClr val="black"/>
+                    </a:gs>
+                  </a:gsLst>
+                  <a:lin ang="5400000" scaled="0"/>
+                </a:gradFill>
+                <a:latin typeface="Segoe UI" pitchFamily="34" charset="0"/>
+                <a:ea typeface="Segoe UI" pitchFamily="34" charset="0"/>
+                <a:cs typeface="Segoe UI" pitchFamily="34" charset="0"/>
+              </a:rPr>
+              <a:t>and other product names are or may be registered trademarks and/or trademarks in the U.S. and/or other countries.</a:t>
             </a:r>
           </a:p>
           <a:p>
             <a:pPr defTabSz="914099" eaLnBrk="0" hangingPunct="0"/>
             <a:r>
-              <a:rPr lang="en-US" sz="400" smtClean="0">
+              <a:rPr lang="en-US" sz="400" dirty="0" smtClean="0">
                 <a:gradFill>
                   <a:gsLst>
                     <a:gs pos="0">
@@ -15482,22 +15630,6 @@
               </a:rPr>
               <a:t>The information herein is for informational purposes only and represents the current view of Microsoft Corporation as of the date of this presentation.  Because Microsoft must respond to changing market conditions, it should not be interpreted to be a commitment on the part of Microsoft, and Microsoft cannot guarantee the accuracy of any information provided after the date of this presentation.  MICROSOFT MAKES NO WARRANTIES, EXPRESS, IMPLIED OR STATUTORY, AS TO THE INFORMATION IN THIS PRESENTATION.</a:t>
             </a:r>
-            <a:endParaRPr lang="en-US" sz="400" dirty="0" smtClean="0">
-              <a:gradFill>
-                <a:gsLst>
-                  <a:gs pos="0">
-                    <a:prstClr val="black"/>
-                  </a:gs>
-                  <a:gs pos="100000">
-                    <a:prstClr val="black"/>
-                  </a:gs>
-                </a:gsLst>
-                <a:lin ang="5400000" scaled="0"/>
-              </a:gradFill>
-              <a:latin typeface="Segoe UI" pitchFamily="34" charset="0"/>
-              <a:ea typeface="Segoe UI" pitchFamily="34" charset="0"/>
-              <a:cs typeface="Segoe UI" pitchFamily="34" charset="0"/>
-            </a:endParaRPr>
           </a:p>
         </p:txBody>
       </p:sp>
@@ -15518,7 +15650,7 @@
           <a:p>
             <a:fld id="{042E64AC-1CE6-49D9-84F1-EA66C04C420D}" type="datetime1">
               <a:rPr lang="en-US" smtClean="0"/>
-              <a:t>12/8/2013</a:t>
+              <a:t>10/3/2014</a:t>
             </a:fld>
             <a:endParaRPr lang="en-US" dirty="0"/>
           </a:p>
@@ -15645,7 +15777,7 @@
           <a:p>
             <a:pPr defTabSz="914099" eaLnBrk="0" hangingPunct="0"/>
             <a:r>
-              <a:rPr lang="en-US" sz="400" smtClean="0">
+              <a:rPr lang="en-US" sz="400" dirty="0" smtClean="0">
                 <a:gradFill>
                   <a:gsLst>
                     <a:gs pos="0">
@@ -15661,13 +15793,51 @@
                 <a:ea typeface="Segoe UI" pitchFamily="34" charset="0"/>
                 <a:cs typeface="Segoe UI" pitchFamily="34" charset="0"/>
               </a:rPr>
-              <a:t>© 2012 Microsoft Corporation. All rights reserved. Microsoft, Windows, and other product names are or may be registered trademarks and/or trademarks in the U.S. and/or other countries.</a:t>
+              <a:t>© 2012 Microsoft Corporation. All rights reserved. Microsoft, </a:t>
+            </a:r>
+            <a:r>
+              <a:rPr lang="en-US" sz="400" dirty="0" smtClean="0">
+                <a:gradFill>
+                  <a:gsLst>
+                    <a:gs pos="0">
+                      <a:prstClr val="black"/>
+                    </a:gs>
+                    <a:gs pos="100000">
+                      <a:prstClr val="black"/>
+                    </a:gs>
+                  </a:gsLst>
+                  <a:lin ang="5400000" scaled="0"/>
+                </a:gradFill>
+                <a:latin typeface="Segoe UI" pitchFamily="34" charset="0"/>
+                <a:ea typeface="Segoe UI" pitchFamily="34" charset="0"/>
+                <a:cs typeface="Segoe UI" pitchFamily="34" charset="0"/>
+              </a:rPr>
+              <a:t>Microsoft, </a:t>
+            </a:r>
+            <a:r>
+              <a:rPr lang="en-US" sz="400" dirty="0" smtClean="0">
+                <a:gradFill>
+                  <a:gsLst>
+                    <a:gs pos="0">
+                      <a:prstClr val="black"/>
+                    </a:gs>
+                    <a:gs pos="100000">
+                      <a:prstClr val="black"/>
+                    </a:gs>
+                  </a:gsLst>
+                  <a:lin ang="5400000" scaled="0"/>
+                </a:gradFill>
+                <a:latin typeface="Segoe UI" pitchFamily="34" charset="0"/>
+                <a:ea typeface="Segoe UI" pitchFamily="34" charset="0"/>
+                <a:cs typeface="Segoe UI" pitchFamily="34" charset="0"/>
+              </a:rPr>
+              <a:t>and other product names are or may be registered trademarks and/or trademarks in the U.S. and/or other countries.</a:t>
             </a:r>
           </a:p>
           <a:p>
             <a:pPr defTabSz="914099" eaLnBrk="0" hangingPunct="0"/>
             <a:r>
-              <a:rPr lang="en-US" sz="400" smtClean="0">
+              <a:rPr lang="en-US" sz="400" dirty="0" smtClean="0">
                 <a:gradFill>
                   <a:gsLst>
                     <a:gs pos="0">
@@ -15685,22 +15855,6 @@
               </a:rPr>
               <a:t>The information herein is for informational purposes only and represents the current view of Microsoft Corporation as of the date of this presentation.  Because Microsoft must respond to changing market conditions, it should not be interpreted to be a commitment on the part of Microsoft, and Microsoft cannot guarantee the accuracy of any information provided after the date of this presentation.  MICROSOFT MAKES NO WARRANTIES, EXPRESS, IMPLIED OR STATUTORY, AS TO THE INFORMATION IN THIS PRESENTATION.</a:t>
             </a:r>
-            <a:endParaRPr lang="en-US" sz="400" dirty="0" smtClean="0">
-              <a:gradFill>
-                <a:gsLst>
-                  <a:gs pos="0">
-                    <a:prstClr val="black"/>
-                  </a:gs>
-                  <a:gs pos="100000">
-                    <a:prstClr val="black"/>
-                  </a:gs>
-                </a:gsLst>
-                <a:lin ang="5400000" scaled="0"/>
-              </a:gradFill>
-              <a:latin typeface="Segoe UI" pitchFamily="34" charset="0"/>
-              <a:ea typeface="Segoe UI" pitchFamily="34" charset="0"/>
-              <a:cs typeface="Segoe UI" pitchFamily="34" charset="0"/>
-            </a:endParaRPr>
           </a:p>
         </p:txBody>
       </p:sp>
@@ -15721,7 +15875,7 @@
           <a:p>
             <a:fld id="{6C75721E-4881-43E6-8008-26B47D686F64}" type="datetime1">
               <a:rPr lang="en-US" smtClean="0"/>
-              <a:t>12/8/2013</a:t>
+              <a:t>10/3/2014</a:t>
             </a:fld>
             <a:endParaRPr lang="en-US" dirty="0"/>
           </a:p>
@@ -15848,7 +16002,7 @@
           <a:p>
             <a:pPr defTabSz="914099" eaLnBrk="0" hangingPunct="0"/>
             <a:r>
-              <a:rPr lang="en-US" sz="400" smtClean="0">
+              <a:rPr lang="en-US" sz="400" dirty="0" smtClean="0">
                 <a:gradFill>
                   <a:gsLst>
                     <a:gs pos="0">
@@ -15864,13 +16018,51 @@
                 <a:ea typeface="Segoe UI" pitchFamily="34" charset="0"/>
                 <a:cs typeface="Segoe UI" pitchFamily="34" charset="0"/>
               </a:rPr>
-              <a:t>© 2012 Microsoft Corporation. All rights reserved. Microsoft, Windows, and other product names are or may be registered trademarks and/or trademarks in the U.S. and/or other countries.</a:t>
+              <a:t>© 2012 Microsoft Corporation. All rights reserved. Microsoft, </a:t>
+            </a:r>
+            <a:r>
+              <a:rPr lang="en-US" sz="400" dirty="0" smtClean="0">
+                <a:gradFill>
+                  <a:gsLst>
+                    <a:gs pos="0">
+                      <a:prstClr val="black"/>
+                    </a:gs>
+                    <a:gs pos="100000">
+                      <a:prstClr val="black"/>
+                    </a:gs>
+                  </a:gsLst>
+                  <a:lin ang="5400000" scaled="0"/>
+                </a:gradFill>
+                <a:latin typeface="Segoe UI" pitchFamily="34" charset="0"/>
+                <a:ea typeface="Segoe UI" pitchFamily="34" charset="0"/>
+                <a:cs typeface="Segoe UI" pitchFamily="34" charset="0"/>
+              </a:rPr>
+              <a:t>Microsoft, </a:t>
+            </a:r>
+            <a:r>
+              <a:rPr lang="en-US" sz="400" dirty="0" smtClean="0">
+                <a:gradFill>
+                  <a:gsLst>
+                    <a:gs pos="0">
+                      <a:prstClr val="black"/>
+                    </a:gs>
+                    <a:gs pos="100000">
+                      <a:prstClr val="black"/>
+                    </a:gs>
+                  </a:gsLst>
+                  <a:lin ang="5400000" scaled="0"/>
+                </a:gradFill>
+                <a:latin typeface="Segoe UI" pitchFamily="34" charset="0"/>
+                <a:ea typeface="Segoe UI" pitchFamily="34" charset="0"/>
+                <a:cs typeface="Segoe UI" pitchFamily="34" charset="0"/>
+              </a:rPr>
+              <a:t>and other product names are or may be registered trademarks and/or trademarks in the U.S. and/or other countries.</a:t>
             </a:r>
           </a:p>
           <a:p>
             <a:pPr defTabSz="914099" eaLnBrk="0" hangingPunct="0"/>
             <a:r>
-              <a:rPr lang="en-US" sz="400" smtClean="0">
+              <a:rPr lang="en-US" sz="400" dirty="0" smtClean="0">
                 <a:gradFill>
                   <a:gsLst>
                     <a:gs pos="0">
@@ -15888,22 +16080,6 @@
               </a:rPr>
               <a:t>The information herein is for informational purposes only and represents the current view of Microsoft Corporation as of the date of this presentation.  Because Microsoft must respond to changing market conditions, it should not be interpreted to be a commitment on the part of Microsoft, and Microsoft cannot guarantee the accuracy of any information provided after the date of this presentation.  MICROSOFT MAKES NO WARRANTIES, EXPRESS, IMPLIED OR STATUTORY, AS TO THE INFORMATION IN THIS PRESENTATION.</a:t>
             </a:r>
-            <a:endParaRPr lang="en-US" sz="400" dirty="0" smtClean="0">
-              <a:gradFill>
-                <a:gsLst>
-                  <a:gs pos="0">
-                    <a:prstClr val="black"/>
-                  </a:gs>
-                  <a:gs pos="100000">
-                    <a:prstClr val="black"/>
-                  </a:gs>
-                </a:gsLst>
-                <a:lin ang="5400000" scaled="0"/>
-              </a:gradFill>
-              <a:latin typeface="Segoe UI" pitchFamily="34" charset="0"/>
-              <a:ea typeface="Segoe UI" pitchFamily="34" charset="0"/>
-              <a:cs typeface="Segoe UI" pitchFamily="34" charset="0"/>
-            </a:endParaRPr>
           </a:p>
         </p:txBody>
       </p:sp>
@@ -15924,7 +16100,7 @@
           <a:p>
             <a:fld id="{CC021316-1984-451C-9142-E4090A20721E}" type="datetime1">
               <a:rPr lang="en-US" smtClean="0"/>
-              <a:t>12/8/2013</a:t>
+              <a:t>10/3/2014</a:t>
             </a:fld>
             <a:endParaRPr lang="en-US" dirty="0"/>
           </a:p>
@@ -16051,7 +16227,7 @@
           <a:p>
             <a:pPr defTabSz="914099" eaLnBrk="0" hangingPunct="0"/>
             <a:r>
-              <a:rPr lang="en-US" sz="400" smtClean="0">
+              <a:rPr lang="en-US" sz="400" dirty="0" smtClean="0">
                 <a:gradFill>
                   <a:gsLst>
                     <a:gs pos="0">
@@ -16067,13 +16243,51 @@
                 <a:ea typeface="Segoe UI" pitchFamily="34" charset="0"/>
                 <a:cs typeface="Segoe UI" pitchFamily="34" charset="0"/>
               </a:rPr>
-              <a:t>© 2012 Microsoft Corporation. All rights reserved. Microsoft, Windows, and other product names are or may be registered trademarks and/or trademarks in the U.S. and/or other countries.</a:t>
+              <a:t>© 2012 Microsoft Corporation. All rights reserved. Microsoft, </a:t>
+            </a:r>
+            <a:r>
+              <a:rPr lang="en-US" sz="400" dirty="0" smtClean="0">
+                <a:gradFill>
+                  <a:gsLst>
+                    <a:gs pos="0">
+                      <a:prstClr val="black"/>
+                    </a:gs>
+                    <a:gs pos="100000">
+                      <a:prstClr val="black"/>
+                    </a:gs>
+                  </a:gsLst>
+                  <a:lin ang="5400000" scaled="0"/>
+                </a:gradFill>
+                <a:latin typeface="Segoe UI" pitchFamily="34" charset="0"/>
+                <a:ea typeface="Segoe UI" pitchFamily="34" charset="0"/>
+                <a:cs typeface="Segoe UI" pitchFamily="34" charset="0"/>
+              </a:rPr>
+              <a:t>Microsoft, </a:t>
+            </a:r>
+            <a:r>
+              <a:rPr lang="en-US" sz="400" dirty="0" smtClean="0">
+                <a:gradFill>
+                  <a:gsLst>
+                    <a:gs pos="0">
+                      <a:prstClr val="black"/>
+                    </a:gs>
+                    <a:gs pos="100000">
+                      <a:prstClr val="black"/>
+                    </a:gs>
+                  </a:gsLst>
+                  <a:lin ang="5400000" scaled="0"/>
+                </a:gradFill>
+                <a:latin typeface="Segoe UI" pitchFamily="34" charset="0"/>
+                <a:ea typeface="Segoe UI" pitchFamily="34" charset="0"/>
+                <a:cs typeface="Segoe UI" pitchFamily="34" charset="0"/>
+              </a:rPr>
+              <a:t>and other product names are or may be registered trademarks and/or trademarks in the U.S. and/or other countries.</a:t>
             </a:r>
           </a:p>
           <a:p>
             <a:pPr defTabSz="914099" eaLnBrk="0" hangingPunct="0"/>
             <a:r>
-              <a:rPr lang="en-US" sz="400" smtClean="0">
+              <a:rPr lang="en-US" sz="400" dirty="0" smtClean="0">
                 <a:gradFill>
                   <a:gsLst>
                     <a:gs pos="0">
@@ -16091,22 +16305,6 @@
               </a:rPr>
               <a:t>The information herein is for informational purposes only and represents the current view of Microsoft Corporation as of the date of this presentation.  Because Microsoft must respond to changing market conditions, it should not be interpreted to be a commitment on the part of Microsoft, and Microsoft cannot guarantee the accuracy of any information provided after the date of this presentation.  MICROSOFT MAKES NO WARRANTIES, EXPRESS, IMPLIED OR STATUTORY, AS TO THE INFORMATION IN THIS PRESENTATION.</a:t>
             </a:r>
-            <a:endParaRPr lang="en-US" sz="400" dirty="0" smtClean="0">
-              <a:gradFill>
-                <a:gsLst>
-                  <a:gs pos="0">
-                    <a:prstClr val="black"/>
-                  </a:gs>
-                  <a:gs pos="100000">
-                    <a:prstClr val="black"/>
-                  </a:gs>
-                </a:gsLst>
-                <a:lin ang="5400000" scaled="0"/>
-              </a:gradFill>
-              <a:latin typeface="Segoe UI" pitchFamily="34" charset="0"/>
-              <a:ea typeface="Segoe UI" pitchFamily="34" charset="0"/>
-              <a:cs typeface="Segoe UI" pitchFamily="34" charset="0"/>
-            </a:endParaRPr>
           </a:p>
         </p:txBody>
       </p:sp>
@@ -16127,7 +16325,7 @@
           <a:p>
             <a:fld id="{6C75721E-4881-43E6-8008-26B47D686F64}" type="datetime1">
               <a:rPr lang="en-US" smtClean="0"/>
-              <a:t>12/8/2013</a:t>
+              <a:t>10/3/2014</a:t>
             </a:fld>
             <a:endParaRPr lang="en-US" dirty="0"/>
           </a:p>
@@ -16254,7 +16452,7 @@
           <a:p>
             <a:pPr defTabSz="914099" eaLnBrk="0" hangingPunct="0"/>
             <a:r>
-              <a:rPr lang="en-US" sz="400" smtClean="0">
+              <a:rPr lang="en-US" sz="400" dirty="0" smtClean="0">
                 <a:gradFill>
                   <a:gsLst>
                     <a:gs pos="0">
@@ -16270,13 +16468,51 @@
                 <a:ea typeface="Segoe UI" pitchFamily="34" charset="0"/>
                 <a:cs typeface="Segoe UI" pitchFamily="34" charset="0"/>
               </a:rPr>
-              <a:t>© 2012 Microsoft Corporation. All rights reserved. Microsoft, Windows, and other product names are or may be registered trademarks and/or trademarks in the U.S. and/or other countries.</a:t>
+              <a:t>© 2012 Microsoft Corporation. All rights reserved. Microsoft, </a:t>
+            </a:r>
+            <a:r>
+              <a:rPr lang="en-US" sz="400" dirty="0" smtClean="0">
+                <a:gradFill>
+                  <a:gsLst>
+                    <a:gs pos="0">
+                      <a:prstClr val="black"/>
+                    </a:gs>
+                    <a:gs pos="100000">
+                      <a:prstClr val="black"/>
+                    </a:gs>
+                  </a:gsLst>
+                  <a:lin ang="5400000" scaled="0"/>
+                </a:gradFill>
+                <a:latin typeface="Segoe UI" pitchFamily="34" charset="0"/>
+                <a:ea typeface="Segoe UI" pitchFamily="34" charset="0"/>
+                <a:cs typeface="Segoe UI" pitchFamily="34" charset="0"/>
+              </a:rPr>
+              <a:t>Microsoft, </a:t>
+            </a:r>
+            <a:r>
+              <a:rPr lang="en-US" sz="400" dirty="0" smtClean="0">
+                <a:gradFill>
+                  <a:gsLst>
+                    <a:gs pos="0">
+                      <a:prstClr val="black"/>
+                    </a:gs>
+                    <a:gs pos="100000">
+                      <a:prstClr val="black"/>
+                    </a:gs>
+                  </a:gsLst>
+                  <a:lin ang="5400000" scaled="0"/>
+                </a:gradFill>
+                <a:latin typeface="Segoe UI" pitchFamily="34" charset="0"/>
+                <a:ea typeface="Segoe UI" pitchFamily="34" charset="0"/>
+                <a:cs typeface="Segoe UI" pitchFamily="34" charset="0"/>
+              </a:rPr>
+              <a:t>and other product names are or may be registered trademarks and/or trademarks in the U.S. and/or other countries.</a:t>
             </a:r>
           </a:p>
           <a:p>
             <a:pPr defTabSz="914099" eaLnBrk="0" hangingPunct="0"/>
             <a:r>
-              <a:rPr lang="en-US" sz="400" smtClean="0">
+              <a:rPr lang="en-US" sz="400" dirty="0" smtClean="0">
                 <a:gradFill>
                   <a:gsLst>
                     <a:gs pos="0">
@@ -16294,22 +16530,6 @@
               </a:rPr>
               <a:t>The information herein is for informational purposes only and represents the current view of Microsoft Corporation as of the date of this presentation.  Because Microsoft must respond to changing market conditions, it should not be interpreted to be a commitment on the part of Microsoft, and Microsoft cannot guarantee the accuracy of any information provided after the date of this presentation.  MICROSOFT MAKES NO WARRANTIES, EXPRESS, IMPLIED OR STATUTORY, AS TO THE INFORMATION IN THIS PRESENTATION.</a:t>
             </a:r>
-            <a:endParaRPr lang="en-US" sz="400" dirty="0" smtClean="0">
-              <a:gradFill>
-                <a:gsLst>
-                  <a:gs pos="0">
-                    <a:prstClr val="black"/>
-                  </a:gs>
-                  <a:gs pos="100000">
-                    <a:prstClr val="black"/>
-                  </a:gs>
-                </a:gsLst>
-                <a:lin ang="5400000" scaled="0"/>
-              </a:gradFill>
-              <a:latin typeface="Segoe UI" pitchFamily="34" charset="0"/>
-              <a:ea typeface="Segoe UI" pitchFamily="34" charset="0"/>
-              <a:cs typeface="Segoe UI" pitchFamily="34" charset="0"/>
-            </a:endParaRPr>
           </a:p>
         </p:txBody>
       </p:sp>
@@ -16330,7 +16550,7 @@
           <a:p>
             <a:fld id="{3981007E-56B8-4E4D-80F8-EC068B80625A}" type="datetime1">
               <a:rPr lang="en-US" smtClean="0"/>
-              <a:t>12/8/2013</a:t>
+              <a:t>10/3/2014</a:t>
             </a:fld>
             <a:endParaRPr lang="en-US" dirty="0"/>
           </a:p>
@@ -16457,7 +16677,7 @@
           <a:p>
             <a:pPr defTabSz="914099" eaLnBrk="0" hangingPunct="0"/>
             <a:r>
-              <a:rPr lang="en-US" sz="400" smtClean="0">
+              <a:rPr lang="en-US" sz="400" dirty="0" smtClean="0">
                 <a:gradFill>
                   <a:gsLst>
                     <a:gs pos="0">
@@ -16473,13 +16693,51 @@
                 <a:ea typeface="Segoe UI" pitchFamily="34" charset="0"/>
                 <a:cs typeface="Segoe UI" pitchFamily="34" charset="0"/>
               </a:rPr>
-              <a:t>© 2012 Microsoft Corporation. All rights reserved. Microsoft, Windows, and other product names are or may be registered trademarks and/or trademarks in the U.S. and/or other countries.</a:t>
+              <a:t>© 2012 Microsoft Corporation. All rights reserved. Microsoft, </a:t>
+            </a:r>
+            <a:r>
+              <a:rPr lang="en-US" sz="400" dirty="0" smtClean="0">
+                <a:gradFill>
+                  <a:gsLst>
+                    <a:gs pos="0">
+                      <a:prstClr val="black"/>
+                    </a:gs>
+                    <a:gs pos="100000">
+                      <a:prstClr val="black"/>
+                    </a:gs>
+                  </a:gsLst>
+                  <a:lin ang="5400000" scaled="0"/>
+                </a:gradFill>
+                <a:latin typeface="Segoe UI" pitchFamily="34" charset="0"/>
+                <a:ea typeface="Segoe UI" pitchFamily="34" charset="0"/>
+                <a:cs typeface="Segoe UI" pitchFamily="34" charset="0"/>
+              </a:rPr>
+              <a:t>Microsoft, </a:t>
+            </a:r>
+            <a:r>
+              <a:rPr lang="en-US" sz="400" dirty="0" smtClean="0">
+                <a:gradFill>
+                  <a:gsLst>
+                    <a:gs pos="0">
+                      <a:prstClr val="black"/>
+                    </a:gs>
+                    <a:gs pos="100000">
+                      <a:prstClr val="black"/>
+                    </a:gs>
+                  </a:gsLst>
+                  <a:lin ang="5400000" scaled="0"/>
+                </a:gradFill>
+                <a:latin typeface="Segoe UI" pitchFamily="34" charset="0"/>
+                <a:ea typeface="Segoe UI" pitchFamily="34" charset="0"/>
+                <a:cs typeface="Segoe UI" pitchFamily="34" charset="0"/>
+              </a:rPr>
+              <a:t>and other product names are or may be registered trademarks and/or trademarks in the U.S. and/or other countries.</a:t>
             </a:r>
           </a:p>
           <a:p>
             <a:pPr defTabSz="914099" eaLnBrk="0" hangingPunct="0"/>
             <a:r>
-              <a:rPr lang="en-US" sz="400" smtClean="0">
+              <a:rPr lang="en-US" sz="400" dirty="0" smtClean="0">
                 <a:gradFill>
                   <a:gsLst>
                     <a:gs pos="0">
@@ -16497,22 +16755,6 @@
               </a:rPr>
               <a:t>The information herein is for informational purposes only and represents the current view of Microsoft Corporation as of the date of this presentation.  Because Microsoft must respond to changing market conditions, it should not be interpreted to be a commitment on the part of Microsoft, and Microsoft cannot guarantee the accuracy of any information provided after the date of this presentation.  MICROSOFT MAKES NO WARRANTIES, EXPRESS, IMPLIED OR STATUTORY, AS TO THE INFORMATION IN THIS PRESENTATION.</a:t>
             </a:r>
-            <a:endParaRPr lang="en-US" sz="400" dirty="0" smtClean="0">
-              <a:gradFill>
-                <a:gsLst>
-                  <a:gs pos="0">
-                    <a:prstClr val="black"/>
-                  </a:gs>
-                  <a:gs pos="100000">
-                    <a:prstClr val="black"/>
-                  </a:gs>
-                </a:gsLst>
-                <a:lin ang="5400000" scaled="0"/>
-              </a:gradFill>
-              <a:latin typeface="Segoe UI" pitchFamily="34" charset="0"/>
-              <a:ea typeface="Segoe UI" pitchFamily="34" charset="0"/>
-              <a:cs typeface="Segoe UI" pitchFamily="34" charset="0"/>
-            </a:endParaRPr>
           </a:p>
         </p:txBody>
       </p:sp>
@@ -16533,7 +16775,7 @@
           <a:p>
             <a:fld id="{3981007E-56B8-4E4D-80F8-EC068B80625A}" type="datetime1">
               <a:rPr lang="en-US" smtClean="0"/>
-              <a:t>12/8/2013</a:t>
+              <a:t>10/3/2014</a:t>
             </a:fld>
             <a:endParaRPr lang="en-US" dirty="0"/>
           </a:p>
@@ -16660,7 +16902,7 @@
           <a:p>
             <a:pPr defTabSz="914099" eaLnBrk="0" hangingPunct="0"/>
             <a:r>
-              <a:rPr lang="en-US" sz="400" smtClean="0">
+              <a:rPr lang="en-US" sz="400" dirty="0" smtClean="0">
                 <a:gradFill>
                   <a:gsLst>
                     <a:gs pos="0">
@@ -16676,13 +16918,51 @@
                 <a:ea typeface="Segoe UI" pitchFamily="34" charset="0"/>
                 <a:cs typeface="Segoe UI" pitchFamily="34" charset="0"/>
               </a:rPr>
-              <a:t>© 2012 Microsoft Corporation. All rights reserved. Microsoft, Windows, and other product names are or may be registered trademarks and/or trademarks in the U.S. and/or other countries.</a:t>
+              <a:t>© 2012 Microsoft Corporation. All rights reserved. Microsoft, </a:t>
+            </a:r>
+            <a:r>
+              <a:rPr lang="en-US" sz="400" dirty="0" smtClean="0">
+                <a:gradFill>
+                  <a:gsLst>
+                    <a:gs pos="0">
+                      <a:prstClr val="black"/>
+                    </a:gs>
+                    <a:gs pos="100000">
+                      <a:prstClr val="black"/>
+                    </a:gs>
+                  </a:gsLst>
+                  <a:lin ang="5400000" scaled="0"/>
+                </a:gradFill>
+                <a:latin typeface="Segoe UI" pitchFamily="34" charset="0"/>
+                <a:ea typeface="Segoe UI" pitchFamily="34" charset="0"/>
+                <a:cs typeface="Segoe UI" pitchFamily="34" charset="0"/>
+              </a:rPr>
+              <a:t>Microsoft, </a:t>
+            </a:r>
+            <a:r>
+              <a:rPr lang="en-US" sz="400" dirty="0" smtClean="0">
+                <a:gradFill>
+                  <a:gsLst>
+                    <a:gs pos="0">
+                      <a:prstClr val="black"/>
+                    </a:gs>
+                    <a:gs pos="100000">
+                      <a:prstClr val="black"/>
+                    </a:gs>
+                  </a:gsLst>
+                  <a:lin ang="5400000" scaled="0"/>
+                </a:gradFill>
+                <a:latin typeface="Segoe UI" pitchFamily="34" charset="0"/>
+                <a:ea typeface="Segoe UI" pitchFamily="34" charset="0"/>
+                <a:cs typeface="Segoe UI" pitchFamily="34" charset="0"/>
+              </a:rPr>
+              <a:t>and other product names are or may be registered trademarks and/or trademarks in the U.S. and/or other countries.</a:t>
             </a:r>
           </a:p>
           <a:p>
             <a:pPr defTabSz="914099" eaLnBrk="0" hangingPunct="0"/>
             <a:r>
-              <a:rPr lang="en-US" sz="400" smtClean="0">
+              <a:rPr lang="en-US" sz="400" dirty="0" smtClean="0">
                 <a:gradFill>
                   <a:gsLst>
                     <a:gs pos="0">
@@ -16700,22 +16980,6 @@
               </a:rPr>
               <a:t>The information herein is for informational purposes only and represents the current view of Microsoft Corporation as of the date of this presentation.  Because Microsoft must respond to changing market conditions, it should not be interpreted to be a commitment on the part of Microsoft, and Microsoft cannot guarantee the accuracy of any information provided after the date of this presentation.  MICROSOFT MAKES NO WARRANTIES, EXPRESS, IMPLIED OR STATUTORY, AS TO THE INFORMATION IN THIS PRESENTATION.</a:t>
             </a:r>
-            <a:endParaRPr lang="en-US" sz="400" dirty="0" smtClean="0">
-              <a:gradFill>
-                <a:gsLst>
-                  <a:gs pos="0">
-                    <a:prstClr val="black"/>
-                  </a:gs>
-                  <a:gs pos="100000">
-                    <a:prstClr val="black"/>
-                  </a:gs>
-                </a:gsLst>
-                <a:lin ang="5400000" scaled="0"/>
-              </a:gradFill>
-              <a:latin typeface="Segoe UI" pitchFamily="34" charset="0"/>
-              <a:ea typeface="Segoe UI" pitchFamily="34" charset="0"/>
-              <a:cs typeface="Segoe UI" pitchFamily="34" charset="0"/>
-            </a:endParaRPr>
           </a:p>
         </p:txBody>
       </p:sp>
@@ -16736,7 +17000,7 @@
           <a:p>
             <a:fld id="{3981007E-56B8-4E4D-80F8-EC068B80625A}" type="datetime1">
               <a:rPr lang="en-US" smtClean="0"/>
-              <a:t>12/8/2013</a:t>
+              <a:t>10/3/2014</a:t>
             </a:fld>
             <a:endParaRPr lang="en-US" dirty="0"/>
           </a:p>
@@ -17033,7 +17297,7 @@
           <a:p>
             <a:pPr defTabSz="914099" eaLnBrk="0" hangingPunct="0"/>
             <a:r>
-              <a:rPr lang="en-US" sz="400" smtClean="0">
+              <a:rPr lang="en-US" sz="400" dirty="0" smtClean="0">
                 <a:gradFill>
                   <a:gsLst>
                     <a:gs pos="0">
@@ -17049,13 +17313,51 @@
                 <a:ea typeface="Segoe UI" pitchFamily="34" charset="0"/>
                 <a:cs typeface="Segoe UI" pitchFamily="34" charset="0"/>
               </a:rPr>
-              <a:t>© 2012 Microsoft Corporation. All rights reserved. Microsoft, Windows, and other product names are or may be registered trademarks and/or trademarks in the U.S. and/or other countries.</a:t>
+              <a:t>© 2012 Microsoft Corporation. All rights reserved. Microsoft, </a:t>
+            </a:r>
+            <a:r>
+              <a:rPr lang="en-US" sz="400" dirty="0" smtClean="0">
+                <a:gradFill>
+                  <a:gsLst>
+                    <a:gs pos="0">
+                      <a:prstClr val="black"/>
+                    </a:gs>
+                    <a:gs pos="100000">
+                      <a:prstClr val="black"/>
+                    </a:gs>
+                  </a:gsLst>
+                  <a:lin ang="5400000" scaled="0"/>
+                </a:gradFill>
+                <a:latin typeface="Segoe UI" pitchFamily="34" charset="0"/>
+                <a:ea typeface="Segoe UI" pitchFamily="34" charset="0"/>
+                <a:cs typeface="Segoe UI" pitchFamily="34" charset="0"/>
+              </a:rPr>
+              <a:t>Microsoft, </a:t>
+            </a:r>
+            <a:r>
+              <a:rPr lang="en-US" sz="400" dirty="0" smtClean="0">
+                <a:gradFill>
+                  <a:gsLst>
+                    <a:gs pos="0">
+                      <a:prstClr val="black"/>
+                    </a:gs>
+                    <a:gs pos="100000">
+                      <a:prstClr val="black"/>
+                    </a:gs>
+                  </a:gsLst>
+                  <a:lin ang="5400000" scaled="0"/>
+                </a:gradFill>
+                <a:latin typeface="Segoe UI" pitchFamily="34" charset="0"/>
+                <a:ea typeface="Segoe UI" pitchFamily="34" charset="0"/>
+                <a:cs typeface="Segoe UI" pitchFamily="34" charset="0"/>
+              </a:rPr>
+              <a:t>and other product names are or may be registered trademarks and/or trademarks in the U.S. and/or other countries.</a:t>
             </a:r>
           </a:p>
           <a:p>
             <a:pPr defTabSz="914099" eaLnBrk="0" hangingPunct="0"/>
             <a:r>
-              <a:rPr lang="en-US" sz="400" smtClean="0">
+              <a:rPr lang="en-US" sz="400" dirty="0" smtClean="0">
                 <a:gradFill>
                   <a:gsLst>
                     <a:gs pos="0">
@@ -17073,22 +17375,6 @@
               </a:rPr>
               <a:t>The information herein is for informational purposes only and represents the current view of Microsoft Corporation as of the date of this presentation.  Because Microsoft must respond to changing market conditions, it should not be interpreted to be a commitment on the part of Microsoft, and Microsoft cannot guarantee the accuracy of any information provided after the date of this presentation.  MICROSOFT MAKES NO WARRANTIES, EXPRESS, IMPLIED OR STATUTORY, AS TO THE INFORMATION IN THIS PRESENTATION.</a:t>
             </a:r>
-            <a:endParaRPr lang="en-US" sz="400" dirty="0" smtClean="0">
-              <a:gradFill>
-                <a:gsLst>
-                  <a:gs pos="0">
-                    <a:prstClr val="black"/>
-                  </a:gs>
-                  <a:gs pos="100000">
-                    <a:prstClr val="black"/>
-                  </a:gs>
-                </a:gsLst>
-                <a:lin ang="5400000" scaled="0"/>
-              </a:gradFill>
-              <a:latin typeface="Segoe UI" pitchFamily="34" charset="0"/>
-              <a:ea typeface="Segoe UI" pitchFamily="34" charset="0"/>
-              <a:cs typeface="Segoe UI" pitchFamily="34" charset="0"/>
-            </a:endParaRPr>
           </a:p>
         </p:txBody>
       </p:sp>
@@ -17109,7 +17395,7 @@
           <a:p>
             <a:fld id="{684D7E90-17F8-419C-9863-373D55ADD8E6}" type="datetime1">
               <a:rPr lang="en-US" smtClean="0"/>
-              <a:t>12/8/2013</a:t>
+              <a:t>10/3/2014</a:t>
             </a:fld>
             <a:endParaRPr lang="en-US" dirty="0"/>
           </a:p>
@@ -17244,7 +17530,7 @@
           <a:p>
             <a:pPr defTabSz="914099" eaLnBrk="0" hangingPunct="0"/>
             <a:r>
-              <a:rPr lang="en-US" sz="400" smtClean="0">
+              <a:rPr lang="en-US" sz="400" dirty="0" smtClean="0">
                 <a:gradFill>
                   <a:gsLst>
                     <a:gs pos="0">
@@ -17260,13 +17546,51 @@
                 <a:ea typeface="Segoe UI" pitchFamily="34" charset="0"/>
                 <a:cs typeface="Segoe UI" pitchFamily="34" charset="0"/>
               </a:rPr>
-              <a:t>© 2012 Microsoft Corporation. All rights reserved. Microsoft, Windows, and other product names are or may be registered trademarks and/or trademarks in the U.S. and/or other countries.</a:t>
+              <a:t>© 2012 Microsoft Corporation. All rights reserved. Microsoft, </a:t>
+            </a:r>
+            <a:r>
+              <a:rPr lang="en-US" sz="400" dirty="0" smtClean="0">
+                <a:gradFill>
+                  <a:gsLst>
+                    <a:gs pos="0">
+                      <a:prstClr val="black"/>
+                    </a:gs>
+                    <a:gs pos="100000">
+                      <a:prstClr val="black"/>
+                    </a:gs>
+                  </a:gsLst>
+                  <a:lin ang="5400000" scaled="0"/>
+                </a:gradFill>
+                <a:latin typeface="Segoe UI" pitchFamily="34" charset="0"/>
+                <a:ea typeface="Segoe UI" pitchFamily="34" charset="0"/>
+                <a:cs typeface="Segoe UI" pitchFamily="34" charset="0"/>
+              </a:rPr>
+              <a:t>Microsoft, </a:t>
+            </a:r>
+            <a:r>
+              <a:rPr lang="en-US" sz="400" dirty="0" smtClean="0">
+                <a:gradFill>
+                  <a:gsLst>
+                    <a:gs pos="0">
+                      <a:prstClr val="black"/>
+                    </a:gs>
+                    <a:gs pos="100000">
+                      <a:prstClr val="black"/>
+                    </a:gs>
+                  </a:gsLst>
+                  <a:lin ang="5400000" scaled="0"/>
+                </a:gradFill>
+                <a:latin typeface="Segoe UI" pitchFamily="34" charset="0"/>
+                <a:ea typeface="Segoe UI" pitchFamily="34" charset="0"/>
+                <a:cs typeface="Segoe UI" pitchFamily="34" charset="0"/>
+              </a:rPr>
+              <a:t>and other product names are or may be registered trademarks and/or trademarks in the U.S. and/or other countries.</a:t>
             </a:r>
           </a:p>
           <a:p>
             <a:pPr defTabSz="914099" eaLnBrk="0" hangingPunct="0"/>
             <a:r>
-              <a:rPr lang="en-US" sz="400" smtClean="0">
+              <a:rPr lang="en-US" sz="400" dirty="0" smtClean="0">
                 <a:gradFill>
                   <a:gsLst>
                     <a:gs pos="0">
@@ -17284,22 +17608,6 @@
               </a:rPr>
               <a:t>The information herein is for informational purposes only and represents the current view of Microsoft Corporation as of the date of this presentation.  Because Microsoft must respond to changing market conditions, it should not be interpreted to be a commitment on the part of Microsoft, and Microsoft cannot guarantee the accuracy of any information provided after the date of this presentation.  MICROSOFT MAKES NO WARRANTIES, EXPRESS, IMPLIED OR STATUTORY, AS TO THE INFORMATION IN THIS PRESENTATION.</a:t>
             </a:r>
-            <a:endParaRPr lang="en-US" sz="400" dirty="0" smtClean="0">
-              <a:gradFill>
-                <a:gsLst>
-                  <a:gs pos="0">
-                    <a:prstClr val="black"/>
-                  </a:gs>
-                  <a:gs pos="100000">
-                    <a:prstClr val="black"/>
-                  </a:gs>
-                </a:gsLst>
-                <a:lin ang="5400000" scaled="0"/>
-              </a:gradFill>
-              <a:latin typeface="Segoe UI" pitchFamily="34" charset="0"/>
-              <a:ea typeface="Segoe UI" pitchFamily="34" charset="0"/>
-              <a:cs typeface="Segoe UI" pitchFamily="34" charset="0"/>
-            </a:endParaRPr>
           </a:p>
         </p:txBody>
       </p:sp>
@@ -17320,7 +17628,7 @@
           <a:p>
             <a:fld id="{76D04415-B59E-4C7B-B9F3-190CA9C2CD82}" type="datetime1">
               <a:rPr lang="en-US" smtClean="0"/>
-              <a:t>12/8/2013</a:t>
+              <a:t>10/3/2014</a:t>
             </a:fld>
             <a:endParaRPr lang="en-US" dirty="0"/>
           </a:p>
@@ -19040,7 +19348,41 @@
                 </a:gradFill>
                 <a:cs typeface="Segoe UI" pitchFamily="34" charset="0"/>
               </a:rPr>
-              <a:t>© 2012 Microsoft Corporation. All rights reserved. Microsoft, Windows, Windows Vista and other product names are or may be registered trademarks and/or trademarks in the U.S. and/or other countries.</a:t>
+              <a:t>© 2012 Microsoft Corporation. All rights reserved. Microsoft, </a:t>
+            </a:r>
+            <a:r>
+              <a:rPr lang="en-US" sz="686" dirty="0" smtClean="0">
+                <a:gradFill>
+                  <a:gsLst>
+                    <a:gs pos="0">
+                      <a:srgbClr val="FFFFFF"/>
+                    </a:gs>
+                    <a:gs pos="100000">
+                      <a:srgbClr val="FFFFFF"/>
+                    </a:gs>
+                  </a:gsLst>
+                  <a:lin ang="5400000" scaled="0"/>
+                </a:gradFill>
+                <a:cs typeface="Segoe UI" pitchFamily="34" charset="0"/>
+              </a:rPr>
+              <a:t>Microsoft, Microsoft </a:t>
+            </a:r>
+            <a:r>
+              <a:rPr lang="en-US" sz="686" dirty="0">
+                <a:gradFill>
+                  <a:gsLst>
+                    <a:gs pos="0">
+                      <a:srgbClr val="FFFFFF"/>
+                    </a:gs>
+                    <a:gs pos="100000">
+                      <a:srgbClr val="FFFFFF"/>
+                    </a:gs>
+                  </a:gsLst>
+                  <a:lin ang="5400000" scaled="0"/>
+                </a:gradFill>
+                <a:cs typeface="Segoe UI" pitchFamily="34" charset="0"/>
+              </a:rPr>
+              <a:t>Vista and other product names are or may be registered trademarks and/or trademarks in the U.S. and/or other countries.</a:t>
             </a:r>
           </a:p>
           <a:p>
@@ -35245,11 +35587,7 @@
             <a:pPr algn="l"/>
             <a:r>
               <a:rPr lang="en-US" sz="7200" dirty="0" smtClean="0"/>
-              <a:t>New ASP.NET </a:t>
-            </a:r>
-            <a:r>
-              <a:rPr lang="en-US" sz="7200" dirty="0" smtClean="0"/>
-              <a:t>Core Features</a:t>
+              <a:t>New ASP.NET Core Features</a:t>
             </a:r>
             <a:endParaRPr lang="en-US" sz="7200" dirty="0"/>
           </a:p>
@@ -35295,11 +35633,11 @@
   <p:clrMapOvr>
     <a:masterClrMapping/>
   </p:clrMapOvr>
-  <mc:AlternateContent xmlns:mc="http://schemas.openxmlformats.org/markup-compatibility/2006">
-    <mc:Choice xmlns:p14="http://schemas.microsoft.com/office/powerpoint/2010/main" Requires="p14">
+  <mc:AlternateContent xmlns:mc="http://schemas.openxmlformats.org/markup-compatibility/2006" xmlns:p14="http://schemas.microsoft.com/office/powerpoint/2010/main">
+    <mc:Choice Requires="p14">
       <p:transition spd="slow" p14:dur="2000"/>
     </mc:Choice>
-    <mc:Fallback>
+    <mc:Fallback xmlns="">
       <p:transition spd="slow"/>
     </mc:Fallback>
   </mc:AlternateContent>
@@ -35385,11 +35723,11 @@
   <p:clrMapOvr>
     <a:masterClrMapping/>
   </p:clrMapOvr>
-  <mc:AlternateContent xmlns:mc="http://schemas.openxmlformats.org/markup-compatibility/2006">
-    <mc:Choice xmlns:p14="http://schemas.microsoft.com/office/powerpoint/2010/main" Requires="p14">
+  <mc:AlternateContent xmlns:mc="http://schemas.openxmlformats.org/markup-compatibility/2006" xmlns:p14="http://schemas.microsoft.com/office/powerpoint/2010/main">
+    <mc:Choice Requires="p14">
       <p:transition spd="slow" p14:dur="2000"/>
     </mc:Choice>
-    <mc:Fallback>
+    <mc:Fallback xmlns="">
       <p:transition spd="slow"/>
     </mc:Fallback>
   </mc:AlternateContent>
@@ -35489,11 +35827,11 @@
   <p:clrMapOvr>
     <a:masterClrMapping/>
   </p:clrMapOvr>
-  <mc:AlternateContent xmlns:mc="http://schemas.openxmlformats.org/markup-compatibility/2006">
-    <mc:Choice xmlns:p14="http://schemas.microsoft.com/office/powerpoint/2010/main" Requires="p14">
+  <mc:AlternateContent xmlns:mc="http://schemas.openxmlformats.org/markup-compatibility/2006" xmlns:p14="http://schemas.microsoft.com/office/powerpoint/2010/main">
+    <mc:Choice Requires="p14">
       <p:transition spd="slow" p14:dur="2000"/>
     </mc:Choice>
-    <mc:Fallback>
+    <mc:Fallback xmlns="">
       <p:transition spd="slow"/>
     </mc:Fallback>
   </mc:AlternateContent>
@@ -35742,11 +36080,11 @@
   <p:clrMapOvr>
     <a:masterClrMapping/>
   </p:clrMapOvr>
-  <mc:AlternateContent xmlns:mc="http://schemas.openxmlformats.org/markup-compatibility/2006">
-    <mc:Choice xmlns:p14="http://schemas.microsoft.com/office/powerpoint/2010/main" Requires="p14">
+  <mc:AlternateContent xmlns:mc="http://schemas.openxmlformats.org/markup-compatibility/2006" xmlns:p14="http://schemas.microsoft.com/office/powerpoint/2010/main">
+    <mc:Choice Requires="p14">
       <p:transition spd="slow" p14:dur="2000"/>
     </mc:Choice>
-    <mc:Fallback>
+    <mc:Fallback xmlns="">
       <p:transition spd="slow"/>
     </mc:Fallback>
   </mc:AlternateContent>
@@ -36822,22 +37160,6 @@
               </a:rPr>
               <a:t>YOU!</a:t>
             </a:r>
-            <a:endParaRPr lang="en-US" sz="3921" b="1" kern="0" spc="-51" dirty="0">
-              <a:gradFill>
-                <a:gsLst>
-                  <a:gs pos="0">
-                    <a:srgbClr val="FFFFFF"/>
-                  </a:gs>
-                  <a:gs pos="100000">
-                    <a:srgbClr val="FFFFFF"/>
-                  </a:gs>
-                </a:gsLst>
-                <a:lin ang="5400000" scaled="0"/>
-              </a:gradFill>
-              <a:latin typeface="Segoe UI Light" panose="020B0502040204020203" pitchFamily="34" charset="0"/>
-              <a:ea typeface="Segoe UI" pitchFamily="34" charset="0"/>
-              <a:cs typeface="Segoe UI" pitchFamily="34" charset="0"/>
-            </a:endParaRPr>
           </a:p>
         </p:txBody>
       </p:sp>
@@ -36851,13 +37173,13 @@
   <p:clrMapOvr>
     <a:masterClrMapping/>
   </p:clrMapOvr>
-  <mc:AlternateContent xmlns:mc="http://schemas.openxmlformats.org/markup-compatibility/2006">
-    <mc:Choice xmlns:p14="http://schemas.microsoft.com/office/powerpoint/2010/main" Requires="p14">
+  <mc:AlternateContent xmlns:mc="http://schemas.openxmlformats.org/markup-compatibility/2006" xmlns:p14="http://schemas.microsoft.com/office/powerpoint/2010/main">
+    <mc:Choice Requires="p14">
       <p:transition spd="slow" p14:dur="1500">
         <p:split orient="vert"/>
       </p:transition>
     </mc:Choice>
-    <mc:Fallback>
+    <mc:Fallback xmlns="">
       <p:transition spd="slow">
         <p:split orient="vert"/>
       </p:transition>
@@ -36945,11 +37267,11 @@
   <p:clrMapOvr>
     <a:masterClrMapping/>
   </p:clrMapOvr>
-  <mc:AlternateContent xmlns:mc="http://schemas.openxmlformats.org/markup-compatibility/2006">
-    <mc:Choice xmlns:p14="http://schemas.microsoft.com/office/powerpoint/2010/main" Requires="p14">
+  <mc:AlternateContent xmlns:mc="http://schemas.openxmlformats.org/markup-compatibility/2006" xmlns:p14="http://schemas.microsoft.com/office/powerpoint/2010/main">
+    <mc:Choice Requires="p14">
       <p:transition spd="slow" p14:dur="2000"/>
     </mc:Choice>
-    <mc:Fallback>
+    <mc:Fallback xmlns="">
       <p:transition spd="slow"/>
     </mc:Fallback>
   </mc:AlternateContent>
@@ -37961,11 +38283,7 @@
             </a:r>
             <a:r>
               <a:rPr lang="en-US" sz="2400" dirty="0"/>
-              <a:t>Services, </a:t>
-            </a:r>
-            <a:r>
-              <a:rPr lang="en-US" sz="2400" dirty="0"/>
-              <a:t>Mgmt APIs, Log DL</a:t>
+              <a:t>Services, Mgmt APIs, Log DL</a:t>
             </a:r>
           </a:p>
           <a:p>
@@ -38131,11 +38449,11 @@
   <p:clrMapOvr>
     <a:masterClrMapping/>
   </p:clrMapOvr>
-  <mc:AlternateContent xmlns:mc="http://schemas.openxmlformats.org/markup-compatibility/2006">
-    <mc:Choice xmlns:p14="http://schemas.microsoft.com/office/powerpoint/2010/main" Requires="p14">
+  <mc:AlternateContent xmlns:mc="http://schemas.openxmlformats.org/markup-compatibility/2006" xmlns:p14="http://schemas.microsoft.com/office/powerpoint/2010/main">
+    <mc:Choice Requires="p14">
       <p:transition spd="slow" p14:dur="2000"/>
     </mc:Choice>
-    <mc:Fallback>
+    <mc:Fallback xmlns="">
       <p:transition spd="slow"/>
     </mc:Fallback>
   </mc:AlternateContent>
@@ -38294,13 +38612,7 @@
               <a:rPr lang="en-US" sz="5400" dirty="0" smtClean="0">
                 <a:latin typeface="+mj-lt"/>
               </a:rPr>
-              <a:t>One </a:t>
-            </a:r>
-            <a:r>
-              <a:rPr lang="en-US" sz="5400" dirty="0" smtClean="0">
-                <a:latin typeface="+mj-lt"/>
-              </a:rPr>
-              <a:t>ASP.NET</a:t>
+              <a:t>One ASP.NET</a:t>
             </a:r>
           </a:p>
           <a:p>
@@ -38458,11 +38770,11 @@
   <p:clrMapOvr>
     <a:masterClrMapping/>
   </p:clrMapOvr>
-  <mc:AlternateContent xmlns:mc="http://schemas.openxmlformats.org/markup-compatibility/2006">
-    <mc:Choice xmlns:p14="http://schemas.microsoft.com/office/powerpoint/2010/main" Requires="p14">
+  <mc:AlternateContent xmlns:mc="http://schemas.openxmlformats.org/markup-compatibility/2006" xmlns:p14="http://schemas.microsoft.com/office/powerpoint/2010/main">
+    <mc:Choice Requires="p14">
       <p:transition spd="slow" p14:dur="2000"/>
     </mc:Choice>
-    <mc:Fallback>
+    <mc:Fallback xmlns="">
       <p:transition spd="slow"/>
     </mc:Fallback>
   </mc:AlternateContent>
@@ -40456,13 +40768,13 @@
   <p:clrMapOvr>
     <a:masterClrMapping/>
   </p:clrMapOvr>
-  <mc:AlternateContent xmlns:mc="http://schemas.openxmlformats.org/markup-compatibility/2006">
-    <mc:Choice xmlns:p14="http://schemas.microsoft.com/office/powerpoint/2010/main" Requires="p14">
+  <mc:AlternateContent xmlns:mc="http://schemas.openxmlformats.org/markup-compatibility/2006" xmlns:p14="http://schemas.microsoft.com/office/powerpoint/2010/main">
+    <mc:Choice Requires="p14">
       <p:transition spd="slow" p14:dur="1500">
         <p:split orient="vert"/>
       </p:transition>
     </mc:Choice>
-    <mc:Fallback>
+    <mc:Fallback xmlns="">
       <p:transition spd="slow">
         <p:split orient="vert"/>
       </p:transition>
@@ -41540,22 +41852,6 @@
               </a:rPr>
               <a:t>YOU!</a:t>
             </a:r>
-            <a:endParaRPr lang="en-US" sz="3921" b="1" kern="0" spc="-51" dirty="0">
-              <a:gradFill>
-                <a:gsLst>
-                  <a:gs pos="0">
-                    <a:srgbClr val="FFFFFF"/>
-                  </a:gs>
-                  <a:gs pos="100000">
-                    <a:srgbClr val="FFFFFF"/>
-                  </a:gs>
-                </a:gsLst>
-                <a:lin ang="5400000" scaled="0"/>
-              </a:gradFill>
-              <a:latin typeface="Segoe UI Light" panose="020B0502040204020203" pitchFamily="34" charset="0"/>
-              <a:ea typeface="Segoe UI" pitchFamily="34" charset="0"/>
-              <a:cs typeface="Segoe UI" pitchFamily="34" charset="0"/>
-            </a:endParaRPr>
           </a:p>
         </p:txBody>
       </p:sp>
@@ -41569,13 +41865,13 @@
   <p:clrMapOvr>
     <a:masterClrMapping/>
   </p:clrMapOvr>
-  <mc:AlternateContent xmlns:mc="http://schemas.openxmlformats.org/markup-compatibility/2006">
-    <mc:Choice xmlns:p14="http://schemas.microsoft.com/office/powerpoint/2010/main" Requires="p14">
+  <mc:AlternateContent xmlns:mc="http://schemas.openxmlformats.org/markup-compatibility/2006" xmlns:p14="http://schemas.microsoft.com/office/powerpoint/2010/main">
+    <mc:Choice Requires="p14">
       <p:transition spd="slow" p14:dur="1500">
         <p:split orient="vert"/>
       </p:transition>
     </mc:Choice>
-    <mc:Fallback>
+    <mc:Fallback xmlns="">
       <p:transition spd="slow">
         <p:split orient="vert"/>
       </p:transition>
@@ -42653,22 +42949,6 @@
               </a:rPr>
               <a:t>YOU!</a:t>
             </a:r>
-            <a:endParaRPr lang="en-US" sz="3921" b="1" kern="0" spc="-51" dirty="0">
-              <a:gradFill>
-                <a:gsLst>
-                  <a:gs pos="0">
-                    <a:srgbClr val="FFFFFF"/>
-                  </a:gs>
-                  <a:gs pos="100000">
-                    <a:srgbClr val="FFFFFF"/>
-                  </a:gs>
-                </a:gsLst>
-                <a:lin ang="5400000" scaled="0"/>
-              </a:gradFill>
-              <a:latin typeface="Segoe UI Light" panose="020B0502040204020203" pitchFamily="34" charset="0"/>
-              <a:ea typeface="Segoe UI" pitchFamily="34" charset="0"/>
-              <a:cs typeface="Segoe UI" pitchFamily="34" charset="0"/>
-            </a:endParaRPr>
           </a:p>
         </p:txBody>
       </p:sp>
@@ -42682,13 +42962,13 @@
   <p:clrMapOvr>
     <a:masterClrMapping/>
   </p:clrMapOvr>
-  <mc:AlternateContent xmlns:mc="http://schemas.openxmlformats.org/markup-compatibility/2006">
-    <mc:Choice xmlns:p14="http://schemas.microsoft.com/office/powerpoint/2010/main" Requires="p14">
+  <mc:AlternateContent xmlns:mc="http://schemas.openxmlformats.org/markup-compatibility/2006" xmlns:p14="http://schemas.microsoft.com/office/powerpoint/2010/main">
+    <mc:Choice Requires="p14">
       <p:transition spd="slow" p14:dur="1500">
         <p:split orient="vert"/>
       </p:transition>
     </mc:Choice>
-    <mc:Fallback>
+    <mc:Fallback xmlns="">
       <p:transition spd="slow">
         <p:split orient="vert"/>
       </p:transition>

--- a/Presentation/ASPNET-and-VS-Web-Tooling/ASPNET-and-VS-Web-Tooling.pptx
+++ b/Presentation/ASPNET-and-VS-Web-Tooling/ASPNET-and-VS-Web-Tooling.pptx
@@ -136,6 +136,9 @@
   <p:extLst>
     <p:ext uri="{EFAFB233-063F-42B5-8137-9DF3F51BA10A}">
       <p15:sldGuideLst xmlns:p15="http://schemas.microsoft.com/office/powerpoint/2012/main"/>
+    </p:ext>
+    <p:ext uri="{2D200454-40CA-4A62-9FC3-DE9A4176ACB9}">
+      <p15:notesGuideLst xmlns:p15="http://schemas.microsoft.com/office/powerpoint/2012/main"/>
     </p:ext>
   </p:extLst>
 </p:presentation>
@@ -6525,318 +6528,6 @@
       <dsp:cNvGrpSpPr/>
     </dsp:nvGrpSpPr>
     <dsp:grpSpPr/>
-    <dsp:sp modelId="{06BBD92D-FE5E-46CB-9773-5C1F67E88422}">
-      <dsp:nvSpPr>
-        <dsp:cNvPr id="0" name=""/>
-        <dsp:cNvSpPr/>
-      </dsp:nvSpPr>
-      <dsp:spPr>
-        <a:xfrm>
-          <a:off x="1043245" y="1559"/>
-          <a:ext cx="3251844" cy="1951106"/>
-        </a:xfrm>
-        <a:prstGeom prst="rect">
-          <a:avLst/>
-        </a:prstGeom>
-        <a:solidFill>
-          <a:schemeClr val="dk2">
-            <a:hueOff val="0"/>
-            <a:satOff val="0"/>
-            <a:lumOff val="0"/>
-            <a:alphaOff val="0"/>
-          </a:schemeClr>
-        </a:solidFill>
-        <a:ln w="12700" cap="flat" cmpd="sng" algn="ctr">
-          <a:solidFill>
-            <a:schemeClr val="lt2">
-              <a:hueOff val="0"/>
-              <a:satOff val="0"/>
-              <a:lumOff val="0"/>
-              <a:alphaOff val="0"/>
-            </a:schemeClr>
-          </a:solidFill>
-          <a:prstDash val="solid"/>
-          <a:miter lim="800000"/>
-        </a:ln>
-        <a:effectLst/>
-      </dsp:spPr>
-      <dsp:style>
-        <a:lnRef idx="2">
-          <a:scrgbClr r="0" g="0" b="0"/>
-        </a:lnRef>
-        <a:fillRef idx="1">
-          <a:scrgbClr r="0" g="0" b="0"/>
-        </a:fillRef>
-        <a:effectRef idx="0">
-          <a:scrgbClr r="0" g="0" b="0"/>
-        </a:effectRef>
-        <a:fontRef idx="minor">
-          <a:schemeClr val="lt1"/>
-        </a:fontRef>
-      </dsp:style>
-      <dsp:txBody>
-        <a:bodyPr spcFirstLastPara="0" vert="horz" wrap="square" lIns="175260" tIns="175260" rIns="175260" bIns="175260" numCol="1" spcCol="1270" anchor="ctr" anchorCtr="0">
-          <a:noAutofit/>
-        </a:bodyPr>
-        <a:lstStyle/>
-        <a:p>
-          <a:pPr lvl="0" algn="ctr" defTabSz="2044700" rtl="0">
-            <a:lnSpc>
-              <a:spcPct val="90000"/>
-            </a:lnSpc>
-            <a:spcBef>
-              <a:spcPct val="0"/>
-            </a:spcBef>
-            <a:spcAft>
-              <a:spcPct val="35000"/>
-            </a:spcAft>
-          </a:pPr>
-          <a:r>
-            <a:rPr lang="en-US" sz="4600" kern="1200" baseline="0" smtClean="0"/>
-            <a:t>Bootstrap templates</a:t>
-          </a:r>
-          <a:endParaRPr lang="en-US" sz="4600" kern="1200"/>
-        </a:p>
-      </dsp:txBody>
-      <dsp:txXfrm>
-        <a:off x="1043245" y="1559"/>
-        <a:ext cx="3251844" cy="1951106"/>
-      </dsp:txXfrm>
-    </dsp:sp>
-    <dsp:sp modelId="{06126733-B6E7-4AC8-B919-E10A89212D89}">
-      <dsp:nvSpPr>
-        <dsp:cNvPr id="0" name=""/>
-        <dsp:cNvSpPr/>
-      </dsp:nvSpPr>
-      <dsp:spPr>
-        <a:xfrm>
-          <a:off x="4620275" y="1559"/>
-          <a:ext cx="3251844" cy="1951106"/>
-        </a:xfrm>
-        <a:prstGeom prst="rect">
-          <a:avLst/>
-        </a:prstGeom>
-        <a:solidFill>
-          <a:schemeClr val="dk2">
-            <a:hueOff val="0"/>
-            <a:satOff val="0"/>
-            <a:lumOff val="0"/>
-            <a:alphaOff val="0"/>
-          </a:schemeClr>
-        </a:solidFill>
-        <a:ln w="12700" cap="flat" cmpd="sng" algn="ctr">
-          <a:solidFill>
-            <a:schemeClr val="lt2">
-              <a:hueOff val="0"/>
-              <a:satOff val="0"/>
-              <a:lumOff val="0"/>
-              <a:alphaOff val="0"/>
-            </a:schemeClr>
-          </a:solidFill>
-          <a:prstDash val="solid"/>
-          <a:miter lim="800000"/>
-        </a:ln>
-        <a:effectLst/>
-      </dsp:spPr>
-      <dsp:style>
-        <a:lnRef idx="2">
-          <a:scrgbClr r="0" g="0" b="0"/>
-        </a:lnRef>
-        <a:fillRef idx="1">
-          <a:scrgbClr r="0" g="0" b="0"/>
-        </a:fillRef>
-        <a:effectRef idx="0">
-          <a:scrgbClr r="0" g="0" b="0"/>
-        </a:effectRef>
-        <a:fontRef idx="minor">
-          <a:schemeClr val="lt1"/>
-        </a:fontRef>
-      </dsp:style>
-      <dsp:txBody>
-        <a:bodyPr spcFirstLastPara="0" vert="horz" wrap="square" lIns="175260" tIns="175260" rIns="175260" bIns="175260" numCol="1" spcCol="1270" anchor="ctr" anchorCtr="0">
-          <a:noAutofit/>
-        </a:bodyPr>
-        <a:lstStyle/>
-        <a:p>
-          <a:pPr lvl="0" algn="ctr" defTabSz="2044700" rtl="0">
-            <a:lnSpc>
-              <a:spcPct val="90000"/>
-            </a:lnSpc>
-            <a:spcBef>
-              <a:spcPct val="0"/>
-            </a:spcBef>
-            <a:spcAft>
-              <a:spcPct val="35000"/>
-            </a:spcAft>
-          </a:pPr>
-          <a:r>
-            <a:rPr lang="en-US" sz="4600" kern="1200" baseline="0" smtClean="0"/>
-            <a:t>Identity</a:t>
-          </a:r>
-          <a:endParaRPr lang="en-US" sz="4600" kern="1200"/>
-        </a:p>
-      </dsp:txBody>
-      <dsp:txXfrm>
-        <a:off x="4620275" y="1559"/>
-        <a:ext cx="3251844" cy="1951106"/>
-      </dsp:txXfrm>
-    </dsp:sp>
-    <dsp:sp modelId="{D923CAFD-827E-418A-A6B8-CAEE602F9457}">
-      <dsp:nvSpPr>
-        <dsp:cNvPr id="0" name=""/>
-        <dsp:cNvSpPr/>
-      </dsp:nvSpPr>
-      <dsp:spPr>
-        <a:xfrm>
-          <a:off x="1043245" y="2277851"/>
-          <a:ext cx="3251844" cy="1951106"/>
-        </a:xfrm>
-        <a:prstGeom prst="rect">
-          <a:avLst/>
-        </a:prstGeom>
-        <a:solidFill>
-          <a:schemeClr val="dk2">
-            <a:hueOff val="0"/>
-            <a:satOff val="0"/>
-            <a:lumOff val="0"/>
-            <a:alphaOff val="0"/>
-          </a:schemeClr>
-        </a:solidFill>
-        <a:ln w="12700" cap="flat" cmpd="sng" algn="ctr">
-          <a:solidFill>
-            <a:schemeClr val="lt2">
-              <a:hueOff val="0"/>
-              <a:satOff val="0"/>
-              <a:lumOff val="0"/>
-              <a:alphaOff val="0"/>
-            </a:schemeClr>
-          </a:solidFill>
-          <a:prstDash val="solid"/>
-          <a:miter lim="800000"/>
-        </a:ln>
-        <a:effectLst/>
-      </dsp:spPr>
-      <dsp:style>
-        <a:lnRef idx="2">
-          <a:scrgbClr r="0" g="0" b="0"/>
-        </a:lnRef>
-        <a:fillRef idx="1">
-          <a:scrgbClr r="0" g="0" b="0"/>
-        </a:fillRef>
-        <a:effectRef idx="0">
-          <a:scrgbClr r="0" g="0" b="0"/>
-        </a:effectRef>
-        <a:fontRef idx="minor">
-          <a:schemeClr val="lt1"/>
-        </a:fontRef>
-      </dsp:style>
-      <dsp:txBody>
-        <a:bodyPr spcFirstLastPara="0" vert="horz" wrap="square" lIns="175260" tIns="175260" rIns="175260" bIns="175260" numCol="1" spcCol="1270" anchor="ctr" anchorCtr="0">
-          <a:noAutofit/>
-        </a:bodyPr>
-        <a:lstStyle/>
-        <a:p>
-          <a:pPr lvl="0" algn="ctr" defTabSz="2044700" rtl="0">
-            <a:lnSpc>
-              <a:spcPct val="90000"/>
-            </a:lnSpc>
-            <a:spcBef>
-              <a:spcPct val="0"/>
-            </a:spcBef>
-            <a:spcAft>
-              <a:spcPct val="35000"/>
-            </a:spcAft>
-          </a:pPr>
-          <a:r>
-            <a:rPr lang="en-US" sz="4600" kern="1200" baseline="0" smtClean="0"/>
-            <a:t>Scaffolding</a:t>
-          </a:r>
-          <a:endParaRPr lang="en-US" sz="4600" kern="1200"/>
-        </a:p>
-      </dsp:txBody>
-      <dsp:txXfrm>
-        <a:off x="1043245" y="2277851"/>
-        <a:ext cx="3251844" cy="1951106"/>
-      </dsp:txXfrm>
-    </dsp:sp>
-    <dsp:sp modelId="{B290052F-5007-46EA-AECC-55B61C6D33E9}">
-      <dsp:nvSpPr>
-        <dsp:cNvPr id="0" name=""/>
-        <dsp:cNvSpPr/>
-      </dsp:nvSpPr>
-      <dsp:spPr>
-        <a:xfrm>
-          <a:off x="4620275" y="2277851"/>
-          <a:ext cx="3251844" cy="1951106"/>
-        </a:xfrm>
-        <a:prstGeom prst="rect">
-          <a:avLst/>
-        </a:prstGeom>
-        <a:solidFill>
-          <a:schemeClr val="dk2">
-            <a:hueOff val="0"/>
-            <a:satOff val="0"/>
-            <a:lumOff val="0"/>
-            <a:alphaOff val="0"/>
-          </a:schemeClr>
-        </a:solidFill>
-        <a:ln w="12700" cap="flat" cmpd="sng" algn="ctr">
-          <a:solidFill>
-            <a:schemeClr val="lt2">
-              <a:hueOff val="0"/>
-              <a:satOff val="0"/>
-              <a:lumOff val="0"/>
-              <a:alphaOff val="0"/>
-            </a:schemeClr>
-          </a:solidFill>
-          <a:prstDash val="solid"/>
-          <a:miter lim="800000"/>
-        </a:ln>
-        <a:effectLst/>
-      </dsp:spPr>
-      <dsp:style>
-        <a:lnRef idx="2">
-          <a:scrgbClr r="0" g="0" b="0"/>
-        </a:lnRef>
-        <a:fillRef idx="1">
-          <a:scrgbClr r="0" g="0" b="0"/>
-        </a:fillRef>
-        <a:effectRef idx="0">
-          <a:scrgbClr r="0" g="0" b="0"/>
-        </a:effectRef>
-        <a:fontRef idx="minor">
-          <a:schemeClr val="lt1"/>
-        </a:fontRef>
-      </dsp:style>
-      <dsp:txBody>
-        <a:bodyPr spcFirstLastPara="0" vert="horz" wrap="square" lIns="175260" tIns="175260" rIns="175260" bIns="175260" numCol="1" spcCol="1270" anchor="ctr" anchorCtr="0">
-          <a:noAutofit/>
-        </a:bodyPr>
-        <a:lstStyle/>
-        <a:p>
-          <a:pPr lvl="0" algn="ctr" defTabSz="2044700" rtl="0">
-            <a:lnSpc>
-              <a:spcPct val="90000"/>
-            </a:lnSpc>
-            <a:spcBef>
-              <a:spcPct val="0"/>
-            </a:spcBef>
-            <a:spcAft>
-              <a:spcPct val="35000"/>
-            </a:spcAft>
-          </a:pPr>
-          <a:r>
-            <a:rPr lang="en-US" sz="4600" kern="1200" baseline="0" smtClean="0"/>
-            <a:t>Owin</a:t>
-          </a:r>
-          <a:endParaRPr lang="en-US" sz="4600" kern="1200"/>
-        </a:p>
-      </dsp:txBody>
-      <dsp:txXfrm>
-        <a:off x="4620275" y="2277851"/>
-        <a:ext cx="3251844" cy="1951106"/>
-      </dsp:txXfrm>
-    </dsp:sp>
   </dsp:spTree>
 </dsp:drawing>
 </file>
@@ -6849,318 +6540,6 @@
       <dsp:cNvGrpSpPr/>
     </dsp:nvGrpSpPr>
     <dsp:grpSpPr/>
-    <dsp:sp modelId="{EEC31F3F-5BD5-4E9E-A641-45E67C1E5B0B}">
-      <dsp:nvSpPr>
-        <dsp:cNvPr id="0" name=""/>
-        <dsp:cNvSpPr/>
-      </dsp:nvSpPr>
-      <dsp:spPr>
-        <a:xfrm>
-          <a:off x="144174" y="1710"/>
-          <a:ext cx="3557941" cy="2134764"/>
-        </a:xfrm>
-        <a:prstGeom prst="rect">
-          <a:avLst/>
-        </a:prstGeom>
-        <a:solidFill>
-          <a:schemeClr val="dk2">
-            <a:hueOff val="0"/>
-            <a:satOff val="0"/>
-            <a:lumOff val="0"/>
-            <a:alphaOff val="0"/>
-          </a:schemeClr>
-        </a:solidFill>
-        <a:ln w="12700" cap="flat" cmpd="sng" algn="ctr">
-          <a:solidFill>
-            <a:schemeClr val="lt2">
-              <a:hueOff val="0"/>
-              <a:satOff val="0"/>
-              <a:lumOff val="0"/>
-              <a:alphaOff val="0"/>
-            </a:schemeClr>
-          </a:solidFill>
-          <a:prstDash val="solid"/>
-          <a:miter lim="800000"/>
-        </a:ln>
-        <a:effectLst/>
-      </dsp:spPr>
-      <dsp:style>
-        <a:lnRef idx="2">
-          <a:scrgbClr r="0" g="0" b="0"/>
-        </a:lnRef>
-        <a:fillRef idx="1">
-          <a:scrgbClr r="0" g="0" b="0"/>
-        </a:fillRef>
-        <a:effectRef idx="0">
-          <a:scrgbClr r="0" g="0" b="0"/>
-        </a:effectRef>
-        <a:fontRef idx="minor">
-          <a:schemeClr val="lt1"/>
-        </a:fontRef>
-      </dsp:style>
-      <dsp:txBody>
-        <a:bodyPr spcFirstLastPara="0" vert="horz" wrap="square" lIns="213360" tIns="213360" rIns="213360" bIns="213360" numCol="1" spcCol="1270" anchor="ctr" anchorCtr="0">
-          <a:noAutofit/>
-        </a:bodyPr>
-        <a:lstStyle/>
-        <a:p>
-          <a:pPr lvl="0" algn="ctr" defTabSz="2489200" rtl="0">
-            <a:lnSpc>
-              <a:spcPct val="90000"/>
-            </a:lnSpc>
-            <a:spcBef>
-              <a:spcPct val="0"/>
-            </a:spcBef>
-            <a:spcAft>
-              <a:spcPct val="35000"/>
-            </a:spcAft>
-          </a:pPr>
-          <a:r>
-            <a:rPr lang="en-US" sz="5600" kern="1200" baseline="0" smtClean="0"/>
-            <a:t>Browser Link</a:t>
-          </a:r>
-          <a:endParaRPr lang="en-US" sz="5600" kern="1200"/>
-        </a:p>
-      </dsp:txBody>
-      <dsp:txXfrm>
-        <a:off x="144174" y="1710"/>
-        <a:ext cx="3557941" cy="2134764"/>
-      </dsp:txXfrm>
-    </dsp:sp>
-    <dsp:sp modelId="{F5BAB179-7F80-4971-B336-BDDA85FE537D}">
-      <dsp:nvSpPr>
-        <dsp:cNvPr id="0" name=""/>
-        <dsp:cNvSpPr/>
-      </dsp:nvSpPr>
-      <dsp:spPr>
-        <a:xfrm>
-          <a:off x="4057910" y="1710"/>
-          <a:ext cx="3557941" cy="2134764"/>
-        </a:xfrm>
-        <a:prstGeom prst="rect">
-          <a:avLst/>
-        </a:prstGeom>
-        <a:solidFill>
-          <a:schemeClr val="dk2">
-            <a:hueOff val="0"/>
-            <a:satOff val="0"/>
-            <a:lumOff val="0"/>
-            <a:alphaOff val="0"/>
-          </a:schemeClr>
-        </a:solidFill>
-        <a:ln w="12700" cap="flat" cmpd="sng" algn="ctr">
-          <a:solidFill>
-            <a:schemeClr val="lt2">
-              <a:hueOff val="0"/>
-              <a:satOff val="0"/>
-              <a:lumOff val="0"/>
-              <a:alphaOff val="0"/>
-            </a:schemeClr>
-          </a:solidFill>
-          <a:prstDash val="solid"/>
-          <a:miter lim="800000"/>
-        </a:ln>
-        <a:effectLst/>
-      </dsp:spPr>
-      <dsp:style>
-        <a:lnRef idx="2">
-          <a:scrgbClr r="0" g="0" b="0"/>
-        </a:lnRef>
-        <a:fillRef idx="1">
-          <a:scrgbClr r="0" g="0" b="0"/>
-        </a:fillRef>
-        <a:effectRef idx="0">
-          <a:scrgbClr r="0" g="0" b="0"/>
-        </a:effectRef>
-        <a:fontRef idx="minor">
-          <a:schemeClr val="lt1"/>
-        </a:fontRef>
-      </dsp:style>
-      <dsp:txBody>
-        <a:bodyPr spcFirstLastPara="0" vert="horz" wrap="square" lIns="213360" tIns="213360" rIns="213360" bIns="213360" numCol="1" spcCol="1270" anchor="ctr" anchorCtr="0">
-          <a:noAutofit/>
-        </a:bodyPr>
-        <a:lstStyle/>
-        <a:p>
-          <a:pPr lvl="0" algn="ctr" defTabSz="2489200" rtl="0">
-            <a:lnSpc>
-              <a:spcPct val="90000"/>
-            </a:lnSpc>
-            <a:spcBef>
-              <a:spcPct val="0"/>
-            </a:spcBef>
-            <a:spcAft>
-              <a:spcPct val="35000"/>
-            </a:spcAft>
-          </a:pPr>
-          <a:r>
-            <a:rPr lang="en-US" sz="5600" kern="1200" baseline="0" smtClean="0"/>
-            <a:t>HTML Editor</a:t>
-          </a:r>
-          <a:endParaRPr lang="en-US" sz="5600" kern="1200"/>
-        </a:p>
-      </dsp:txBody>
-      <dsp:txXfrm>
-        <a:off x="4057910" y="1710"/>
-        <a:ext cx="3557941" cy="2134764"/>
-      </dsp:txXfrm>
-    </dsp:sp>
-    <dsp:sp modelId="{F27A7C40-7C1D-414B-8AEB-4CB7646ABB77}">
-      <dsp:nvSpPr>
-        <dsp:cNvPr id="0" name=""/>
-        <dsp:cNvSpPr/>
-      </dsp:nvSpPr>
-      <dsp:spPr>
-        <a:xfrm>
-          <a:off x="144174" y="2492270"/>
-          <a:ext cx="3557941" cy="2134764"/>
-        </a:xfrm>
-        <a:prstGeom prst="rect">
-          <a:avLst/>
-        </a:prstGeom>
-        <a:solidFill>
-          <a:schemeClr val="dk2">
-            <a:hueOff val="0"/>
-            <a:satOff val="0"/>
-            <a:lumOff val="0"/>
-            <a:alphaOff val="0"/>
-          </a:schemeClr>
-        </a:solidFill>
-        <a:ln w="12700" cap="flat" cmpd="sng" algn="ctr">
-          <a:solidFill>
-            <a:schemeClr val="lt2">
-              <a:hueOff val="0"/>
-              <a:satOff val="0"/>
-              <a:lumOff val="0"/>
-              <a:alphaOff val="0"/>
-            </a:schemeClr>
-          </a:solidFill>
-          <a:prstDash val="solid"/>
-          <a:miter lim="800000"/>
-        </a:ln>
-        <a:effectLst/>
-      </dsp:spPr>
-      <dsp:style>
-        <a:lnRef idx="2">
-          <a:scrgbClr r="0" g="0" b="0"/>
-        </a:lnRef>
-        <a:fillRef idx="1">
-          <a:scrgbClr r="0" g="0" b="0"/>
-        </a:fillRef>
-        <a:effectRef idx="0">
-          <a:scrgbClr r="0" g="0" b="0"/>
-        </a:effectRef>
-        <a:fontRef idx="minor">
-          <a:schemeClr val="lt1"/>
-        </a:fontRef>
-      </dsp:style>
-      <dsp:txBody>
-        <a:bodyPr spcFirstLastPara="0" vert="horz" wrap="square" lIns="213360" tIns="213360" rIns="213360" bIns="213360" numCol="1" spcCol="1270" anchor="ctr" anchorCtr="0">
-          <a:noAutofit/>
-        </a:bodyPr>
-        <a:lstStyle/>
-        <a:p>
-          <a:pPr lvl="0" algn="ctr" defTabSz="2489200" rtl="0">
-            <a:lnSpc>
-              <a:spcPct val="90000"/>
-            </a:lnSpc>
-            <a:spcBef>
-              <a:spcPct val="0"/>
-            </a:spcBef>
-            <a:spcAft>
-              <a:spcPct val="35000"/>
-            </a:spcAft>
-          </a:pPr>
-          <a:r>
-            <a:rPr lang="en-US" sz="5600" kern="1200" baseline="0" smtClean="0"/>
-            <a:t>Web Essentials</a:t>
-          </a:r>
-          <a:endParaRPr lang="en-US" sz="5600" kern="1200"/>
-        </a:p>
-      </dsp:txBody>
-      <dsp:txXfrm>
-        <a:off x="144174" y="2492270"/>
-        <a:ext cx="3557941" cy="2134764"/>
-      </dsp:txXfrm>
-    </dsp:sp>
-    <dsp:sp modelId="{8197187E-98B4-4ED7-BB2D-7023BDB15A12}">
-      <dsp:nvSpPr>
-        <dsp:cNvPr id="0" name=""/>
-        <dsp:cNvSpPr/>
-      </dsp:nvSpPr>
-      <dsp:spPr>
-        <a:xfrm>
-          <a:off x="4057910" y="2492270"/>
-          <a:ext cx="3557941" cy="2134764"/>
-        </a:xfrm>
-        <a:prstGeom prst="rect">
-          <a:avLst/>
-        </a:prstGeom>
-        <a:solidFill>
-          <a:schemeClr val="dk2">
-            <a:hueOff val="0"/>
-            <a:satOff val="0"/>
-            <a:lumOff val="0"/>
-            <a:alphaOff val="0"/>
-          </a:schemeClr>
-        </a:solidFill>
-        <a:ln w="12700" cap="flat" cmpd="sng" algn="ctr">
-          <a:solidFill>
-            <a:schemeClr val="lt2">
-              <a:hueOff val="0"/>
-              <a:satOff val="0"/>
-              <a:lumOff val="0"/>
-              <a:alphaOff val="0"/>
-            </a:schemeClr>
-          </a:solidFill>
-          <a:prstDash val="solid"/>
-          <a:miter lim="800000"/>
-        </a:ln>
-        <a:effectLst/>
-      </dsp:spPr>
-      <dsp:style>
-        <a:lnRef idx="2">
-          <a:scrgbClr r="0" g="0" b="0"/>
-        </a:lnRef>
-        <a:fillRef idx="1">
-          <a:scrgbClr r="0" g="0" b="0"/>
-        </a:fillRef>
-        <a:effectRef idx="0">
-          <a:scrgbClr r="0" g="0" b="0"/>
-        </a:effectRef>
-        <a:fontRef idx="minor">
-          <a:schemeClr val="lt1"/>
-        </a:fontRef>
-      </dsp:style>
-      <dsp:txBody>
-        <a:bodyPr spcFirstLastPara="0" vert="horz" wrap="square" lIns="213360" tIns="213360" rIns="213360" bIns="213360" numCol="1" spcCol="1270" anchor="ctr" anchorCtr="0">
-          <a:noAutofit/>
-        </a:bodyPr>
-        <a:lstStyle/>
-        <a:p>
-          <a:pPr lvl="0" algn="ctr" defTabSz="2489200" rtl="0">
-            <a:lnSpc>
-              <a:spcPct val="90000"/>
-            </a:lnSpc>
-            <a:spcBef>
-              <a:spcPct val="0"/>
-            </a:spcBef>
-            <a:spcAft>
-              <a:spcPct val="35000"/>
-            </a:spcAft>
-          </a:pPr>
-          <a:r>
-            <a:rPr lang="en-US" sz="5600" kern="1200" baseline="0" smtClean="0"/>
-            <a:t>Side Waffle</a:t>
-          </a:r>
-          <a:endParaRPr lang="en-US" sz="5600" kern="1200"/>
-        </a:p>
-      </dsp:txBody>
-      <dsp:txXfrm>
-        <a:off x="4057910" y="2492270"/>
-        <a:ext cx="3557941" cy="2134764"/>
-      </dsp:txXfrm>
-    </dsp:sp>
   </dsp:spTree>
 </dsp:drawing>
 </file>
@@ -13973,7 +13352,7 @@
           <a:p>
             <a:fld id="{0E990FE3-7537-4D15-A9F5-FDF1805FD5F8}" type="datetimeFigureOut">
               <a:rPr lang="en-US" smtClean="0"/>
-              <a:t>10/3/2014</a:t>
+              <a:t>6/5/2015</a:t>
             </a:fld>
             <a:endParaRPr lang="en-US"/>
           </a:p>
@@ -14435,45 +13814,7 @@
                 <a:ea typeface="Segoe UI" pitchFamily="34" charset="0"/>
                 <a:cs typeface="Segoe UI" pitchFamily="34" charset="0"/>
               </a:rPr>
-              <a:t>© 2012 Microsoft Corporation. All rights reserved. Microsoft, </a:t>
-            </a:r>
-            <a:r>
-              <a:rPr lang="en-US" sz="400" dirty="0" smtClean="0">
-                <a:gradFill>
-                  <a:gsLst>
-                    <a:gs pos="0">
-                      <a:prstClr val="black"/>
-                    </a:gs>
-                    <a:gs pos="100000">
-                      <a:prstClr val="black"/>
-                    </a:gs>
-                  </a:gsLst>
-                  <a:lin ang="5400000" scaled="0"/>
-                </a:gradFill>
-                <a:latin typeface="Segoe UI" pitchFamily="34" charset="0"/>
-                <a:ea typeface="Segoe UI" pitchFamily="34" charset="0"/>
-                <a:cs typeface="Segoe UI" pitchFamily="34" charset="0"/>
-              </a:rPr>
-              <a:t>Microsoft, </a:t>
-            </a:r>
-            <a:r>
-              <a:rPr lang="en-US" sz="400" dirty="0" smtClean="0">
-                <a:gradFill>
-                  <a:gsLst>
-                    <a:gs pos="0">
-                      <a:prstClr val="black"/>
-                    </a:gs>
-                    <a:gs pos="100000">
-                      <a:prstClr val="black"/>
-                    </a:gs>
-                  </a:gsLst>
-                  <a:lin ang="5400000" scaled="0"/>
-                </a:gradFill>
-                <a:latin typeface="Segoe UI" pitchFamily="34" charset="0"/>
-                <a:ea typeface="Segoe UI" pitchFamily="34" charset="0"/>
-                <a:cs typeface="Segoe UI" pitchFamily="34" charset="0"/>
-              </a:rPr>
-              <a:t>and other product names are or may be registered trademarks and/or trademarks in the U.S. and/or other countries.</a:t>
+              <a:t>© 2012 Microsoft Corporation. All rights reserved. Microsoft, Microsoft, and other product names are or may be registered trademarks and/or trademarks in the U.S. and/or other countries.</a:t>
             </a:r>
           </a:p>
           <a:p>
@@ -14517,7 +13858,7 @@
           <a:p>
             <a:fld id="{A9970F64-953B-405E-BC1E-CCCF6619DB06}" type="datetime1">
               <a:rPr lang="en-US" smtClean="0"/>
-              <a:t>10/3/2014</a:t>
+              <a:t>6/5/2015</a:t>
             </a:fld>
             <a:endParaRPr lang="en-US" dirty="0"/>
           </a:p>
@@ -14660,45 +14001,7 @@
                 <a:ea typeface="Segoe UI" pitchFamily="34" charset="0"/>
                 <a:cs typeface="Segoe UI" pitchFamily="34" charset="0"/>
               </a:rPr>
-              <a:t>© 2012 Microsoft Corporation. All rights reserved. Microsoft, </a:t>
-            </a:r>
-            <a:r>
-              <a:rPr lang="en-US" sz="400" dirty="0" smtClean="0">
-                <a:gradFill>
-                  <a:gsLst>
-                    <a:gs pos="0">
-                      <a:prstClr val="black"/>
-                    </a:gs>
-                    <a:gs pos="100000">
-                      <a:prstClr val="black"/>
-                    </a:gs>
-                  </a:gsLst>
-                  <a:lin ang="5400000" scaled="0"/>
-                </a:gradFill>
-                <a:latin typeface="Segoe UI" pitchFamily="34" charset="0"/>
-                <a:ea typeface="Segoe UI" pitchFamily="34" charset="0"/>
-                <a:cs typeface="Segoe UI" pitchFamily="34" charset="0"/>
-              </a:rPr>
-              <a:t>Microsoft, </a:t>
-            </a:r>
-            <a:r>
-              <a:rPr lang="en-US" sz="400" dirty="0" smtClean="0">
-                <a:gradFill>
-                  <a:gsLst>
-                    <a:gs pos="0">
-                      <a:prstClr val="black"/>
-                    </a:gs>
-                    <a:gs pos="100000">
-                      <a:prstClr val="black"/>
-                    </a:gs>
-                  </a:gsLst>
-                  <a:lin ang="5400000" scaled="0"/>
-                </a:gradFill>
-                <a:latin typeface="Segoe UI" pitchFamily="34" charset="0"/>
-                <a:ea typeface="Segoe UI" pitchFamily="34" charset="0"/>
-                <a:cs typeface="Segoe UI" pitchFamily="34" charset="0"/>
-              </a:rPr>
-              <a:t>and other product names are or may be registered trademarks and/or trademarks in the U.S. and/or other countries.</a:t>
+              <a:t>© 2012 Microsoft Corporation. All rights reserved. Microsoft, Microsoft, and other product names are or may be registered trademarks and/or trademarks in the U.S. and/or other countries.</a:t>
             </a:r>
           </a:p>
           <a:p>
@@ -14742,7 +14045,7 @@
           <a:p>
             <a:fld id="{042E64AC-1CE6-49D9-84F1-EA66C04C420D}" type="datetime1">
               <a:rPr lang="en-US" smtClean="0"/>
-              <a:t>10/3/2014</a:t>
+              <a:t>6/5/2015</a:t>
             </a:fld>
             <a:endParaRPr lang="en-US" dirty="0"/>
           </a:p>
@@ -14885,45 +14188,7 @@
                 <a:ea typeface="Segoe UI" pitchFamily="34" charset="0"/>
                 <a:cs typeface="Segoe UI" pitchFamily="34" charset="0"/>
               </a:rPr>
-              <a:t>© 2012 Microsoft Corporation. All rights reserved. Microsoft, </a:t>
-            </a:r>
-            <a:r>
-              <a:rPr lang="en-US" sz="400" dirty="0" smtClean="0">
-                <a:gradFill>
-                  <a:gsLst>
-                    <a:gs pos="0">
-                      <a:prstClr val="black"/>
-                    </a:gs>
-                    <a:gs pos="100000">
-                      <a:prstClr val="black"/>
-                    </a:gs>
-                  </a:gsLst>
-                  <a:lin ang="5400000" scaled="0"/>
-                </a:gradFill>
-                <a:latin typeface="Segoe UI" pitchFamily="34" charset="0"/>
-                <a:ea typeface="Segoe UI" pitchFamily="34" charset="0"/>
-                <a:cs typeface="Segoe UI" pitchFamily="34" charset="0"/>
-              </a:rPr>
-              <a:t>Microsoft, </a:t>
-            </a:r>
-            <a:r>
-              <a:rPr lang="en-US" sz="400" dirty="0" smtClean="0">
-                <a:gradFill>
-                  <a:gsLst>
-                    <a:gs pos="0">
-                      <a:prstClr val="black"/>
-                    </a:gs>
-                    <a:gs pos="100000">
-                      <a:prstClr val="black"/>
-                    </a:gs>
-                  </a:gsLst>
-                  <a:lin ang="5400000" scaled="0"/>
-                </a:gradFill>
-                <a:latin typeface="Segoe UI" pitchFamily="34" charset="0"/>
-                <a:ea typeface="Segoe UI" pitchFamily="34" charset="0"/>
-                <a:cs typeface="Segoe UI" pitchFamily="34" charset="0"/>
-              </a:rPr>
-              <a:t>and other product names are or may be registered trademarks and/or trademarks in the U.S. and/or other countries.</a:t>
+              <a:t>© 2012 Microsoft Corporation. All rights reserved. Microsoft, Microsoft, and other product names are or may be registered trademarks and/or trademarks in the U.S. and/or other countries.</a:t>
             </a:r>
           </a:p>
           <a:p>
@@ -14967,7 +14232,7 @@
           <a:p>
             <a:fld id="{E0B874F6-01F1-466C-A859-44A61649DE51}" type="datetime1">
               <a:rPr lang="en-US" smtClean="0"/>
-              <a:t>10/3/2014</a:t>
+              <a:t>6/5/2015</a:t>
             </a:fld>
             <a:endParaRPr lang="en-US" dirty="0"/>
           </a:p>
@@ -15110,45 +14375,7 @@
                 <a:ea typeface="Segoe UI" pitchFamily="34" charset="0"/>
                 <a:cs typeface="Segoe UI" pitchFamily="34" charset="0"/>
               </a:rPr>
-              <a:t>© 2012 Microsoft Corporation. All rights reserved. Microsoft, </a:t>
-            </a:r>
-            <a:r>
-              <a:rPr lang="en-US" sz="400" dirty="0" smtClean="0">
-                <a:gradFill>
-                  <a:gsLst>
-                    <a:gs pos="0">
-                      <a:prstClr val="black"/>
-                    </a:gs>
-                    <a:gs pos="100000">
-                      <a:prstClr val="black"/>
-                    </a:gs>
-                  </a:gsLst>
-                  <a:lin ang="5400000" scaled="0"/>
-                </a:gradFill>
-                <a:latin typeface="Segoe UI" pitchFamily="34" charset="0"/>
-                <a:ea typeface="Segoe UI" pitchFamily="34" charset="0"/>
-                <a:cs typeface="Segoe UI" pitchFamily="34" charset="0"/>
-              </a:rPr>
-              <a:t>Microsoft, </a:t>
-            </a:r>
-            <a:r>
-              <a:rPr lang="en-US" sz="400" dirty="0" smtClean="0">
-                <a:gradFill>
-                  <a:gsLst>
-                    <a:gs pos="0">
-                      <a:prstClr val="black"/>
-                    </a:gs>
-                    <a:gs pos="100000">
-                      <a:prstClr val="black"/>
-                    </a:gs>
-                  </a:gsLst>
-                  <a:lin ang="5400000" scaled="0"/>
-                </a:gradFill>
-                <a:latin typeface="Segoe UI" pitchFamily="34" charset="0"/>
-                <a:ea typeface="Segoe UI" pitchFamily="34" charset="0"/>
-                <a:cs typeface="Segoe UI" pitchFamily="34" charset="0"/>
-              </a:rPr>
-              <a:t>and other product names are or may be registered trademarks and/or trademarks in the U.S. and/or other countries.</a:t>
+              <a:t>© 2012 Microsoft Corporation. All rights reserved. Microsoft, Microsoft, and other product names are or may be registered trademarks and/or trademarks in the U.S. and/or other countries.</a:t>
             </a:r>
           </a:p>
           <a:p>
@@ -15192,7 +14419,7 @@
           <a:p>
             <a:fld id="{3981007E-56B8-4E4D-80F8-EC068B80625A}" type="datetime1">
               <a:rPr lang="en-US" smtClean="0"/>
-              <a:t>10/3/2014</a:t>
+              <a:t>6/5/2015</a:t>
             </a:fld>
             <a:endParaRPr lang="en-US" dirty="0"/>
           </a:p>
@@ -15343,45 +14570,7 @@
                 <a:ea typeface="Segoe UI" pitchFamily="34" charset="0"/>
                 <a:cs typeface="Segoe UI" pitchFamily="34" charset="0"/>
               </a:rPr>
-              <a:t>© 2012 Microsoft Corporation. All rights reserved. Microsoft, </a:t>
-            </a:r>
-            <a:r>
-              <a:rPr lang="en-US" sz="400" dirty="0" smtClean="0">
-                <a:gradFill>
-                  <a:gsLst>
-                    <a:gs pos="0">
-                      <a:prstClr val="black"/>
-                    </a:gs>
-                    <a:gs pos="100000">
-                      <a:prstClr val="black"/>
-                    </a:gs>
-                  </a:gsLst>
-                  <a:lin ang="5400000" scaled="0"/>
-                </a:gradFill>
-                <a:latin typeface="Segoe UI" pitchFamily="34" charset="0"/>
-                <a:ea typeface="Segoe UI" pitchFamily="34" charset="0"/>
-                <a:cs typeface="Segoe UI" pitchFamily="34" charset="0"/>
-              </a:rPr>
-              <a:t>Microsoft, </a:t>
-            </a:r>
-            <a:r>
-              <a:rPr lang="en-US" sz="400" dirty="0" smtClean="0">
-                <a:gradFill>
-                  <a:gsLst>
-                    <a:gs pos="0">
-                      <a:prstClr val="black"/>
-                    </a:gs>
-                    <a:gs pos="100000">
-                      <a:prstClr val="black"/>
-                    </a:gs>
-                  </a:gsLst>
-                  <a:lin ang="5400000" scaled="0"/>
-                </a:gradFill>
-                <a:latin typeface="Segoe UI" pitchFamily="34" charset="0"/>
-                <a:ea typeface="Segoe UI" pitchFamily="34" charset="0"/>
-                <a:cs typeface="Segoe UI" pitchFamily="34" charset="0"/>
-              </a:rPr>
-              <a:t>and other product names are or may be registered trademarks and/or trademarks in the U.S. and/or other countries.</a:t>
+              <a:t>© 2012 Microsoft Corporation. All rights reserved. Microsoft, Microsoft, and other product names are or may be registered trademarks and/or trademarks in the U.S. and/or other countries.</a:t>
             </a:r>
           </a:p>
           <a:p>
@@ -15425,7 +14614,7 @@
           <a:p>
             <a:fld id="{76D04415-B59E-4C7B-B9F3-190CA9C2CD82}" type="datetime1">
               <a:rPr lang="en-US" smtClean="0"/>
-              <a:t>10/3/2014</a:t>
+              <a:t>6/5/2015</a:t>
             </a:fld>
             <a:endParaRPr lang="en-US" dirty="0"/>
           </a:p>
@@ -15568,45 +14757,7 @@
                 <a:ea typeface="Segoe UI" pitchFamily="34" charset="0"/>
                 <a:cs typeface="Segoe UI" pitchFamily="34" charset="0"/>
               </a:rPr>
-              <a:t>© 2012 Microsoft Corporation. All rights reserved. Microsoft, </a:t>
-            </a:r>
-            <a:r>
-              <a:rPr lang="en-US" sz="400" dirty="0" smtClean="0">
-                <a:gradFill>
-                  <a:gsLst>
-                    <a:gs pos="0">
-                      <a:prstClr val="black"/>
-                    </a:gs>
-                    <a:gs pos="100000">
-                      <a:prstClr val="black"/>
-                    </a:gs>
-                  </a:gsLst>
-                  <a:lin ang="5400000" scaled="0"/>
-                </a:gradFill>
-                <a:latin typeface="Segoe UI" pitchFamily="34" charset="0"/>
-                <a:ea typeface="Segoe UI" pitchFamily="34" charset="0"/>
-                <a:cs typeface="Segoe UI" pitchFamily="34" charset="0"/>
-              </a:rPr>
-              <a:t>Microsoft, </a:t>
-            </a:r>
-            <a:r>
-              <a:rPr lang="en-US" sz="400" dirty="0" smtClean="0">
-                <a:gradFill>
-                  <a:gsLst>
-                    <a:gs pos="0">
-                      <a:prstClr val="black"/>
-                    </a:gs>
-                    <a:gs pos="100000">
-                      <a:prstClr val="black"/>
-                    </a:gs>
-                  </a:gsLst>
-                  <a:lin ang="5400000" scaled="0"/>
-                </a:gradFill>
-                <a:latin typeface="Segoe UI" pitchFamily="34" charset="0"/>
-                <a:ea typeface="Segoe UI" pitchFamily="34" charset="0"/>
-                <a:cs typeface="Segoe UI" pitchFamily="34" charset="0"/>
-              </a:rPr>
-              <a:t>and other product names are or may be registered trademarks and/or trademarks in the U.S. and/or other countries.</a:t>
+              <a:t>© 2012 Microsoft Corporation. All rights reserved. Microsoft, Microsoft, and other product names are or may be registered trademarks and/or trademarks in the U.S. and/or other countries.</a:t>
             </a:r>
           </a:p>
           <a:p>
@@ -15650,7 +14801,7 @@
           <a:p>
             <a:fld id="{042E64AC-1CE6-49D9-84F1-EA66C04C420D}" type="datetime1">
               <a:rPr lang="en-US" smtClean="0"/>
-              <a:t>10/3/2014</a:t>
+              <a:t>6/5/2015</a:t>
             </a:fld>
             <a:endParaRPr lang="en-US" dirty="0"/>
           </a:p>
@@ -15793,45 +14944,7 @@
                 <a:ea typeface="Segoe UI" pitchFamily="34" charset="0"/>
                 <a:cs typeface="Segoe UI" pitchFamily="34" charset="0"/>
               </a:rPr>
-              <a:t>© 2012 Microsoft Corporation. All rights reserved. Microsoft, </a:t>
-            </a:r>
-            <a:r>
-              <a:rPr lang="en-US" sz="400" dirty="0" smtClean="0">
-                <a:gradFill>
-                  <a:gsLst>
-                    <a:gs pos="0">
-                      <a:prstClr val="black"/>
-                    </a:gs>
-                    <a:gs pos="100000">
-                      <a:prstClr val="black"/>
-                    </a:gs>
-                  </a:gsLst>
-                  <a:lin ang="5400000" scaled="0"/>
-                </a:gradFill>
-                <a:latin typeface="Segoe UI" pitchFamily="34" charset="0"/>
-                <a:ea typeface="Segoe UI" pitchFamily="34" charset="0"/>
-                <a:cs typeface="Segoe UI" pitchFamily="34" charset="0"/>
-              </a:rPr>
-              <a:t>Microsoft, </a:t>
-            </a:r>
-            <a:r>
-              <a:rPr lang="en-US" sz="400" dirty="0" smtClean="0">
-                <a:gradFill>
-                  <a:gsLst>
-                    <a:gs pos="0">
-                      <a:prstClr val="black"/>
-                    </a:gs>
-                    <a:gs pos="100000">
-                      <a:prstClr val="black"/>
-                    </a:gs>
-                  </a:gsLst>
-                  <a:lin ang="5400000" scaled="0"/>
-                </a:gradFill>
-                <a:latin typeface="Segoe UI" pitchFamily="34" charset="0"/>
-                <a:ea typeface="Segoe UI" pitchFamily="34" charset="0"/>
-                <a:cs typeface="Segoe UI" pitchFamily="34" charset="0"/>
-              </a:rPr>
-              <a:t>and other product names are or may be registered trademarks and/or trademarks in the U.S. and/or other countries.</a:t>
+              <a:t>© 2012 Microsoft Corporation. All rights reserved. Microsoft, Microsoft, and other product names are or may be registered trademarks and/or trademarks in the U.S. and/or other countries.</a:t>
             </a:r>
           </a:p>
           <a:p>
@@ -15875,7 +14988,7 @@
           <a:p>
             <a:fld id="{6C75721E-4881-43E6-8008-26B47D686F64}" type="datetime1">
               <a:rPr lang="en-US" smtClean="0"/>
-              <a:t>10/3/2014</a:t>
+              <a:t>6/5/2015</a:t>
             </a:fld>
             <a:endParaRPr lang="en-US" dirty="0"/>
           </a:p>
@@ -16018,45 +15131,7 @@
                 <a:ea typeface="Segoe UI" pitchFamily="34" charset="0"/>
                 <a:cs typeface="Segoe UI" pitchFamily="34" charset="0"/>
               </a:rPr>
-              <a:t>© 2012 Microsoft Corporation. All rights reserved. Microsoft, </a:t>
-            </a:r>
-            <a:r>
-              <a:rPr lang="en-US" sz="400" dirty="0" smtClean="0">
-                <a:gradFill>
-                  <a:gsLst>
-                    <a:gs pos="0">
-                      <a:prstClr val="black"/>
-                    </a:gs>
-                    <a:gs pos="100000">
-                      <a:prstClr val="black"/>
-                    </a:gs>
-                  </a:gsLst>
-                  <a:lin ang="5400000" scaled="0"/>
-                </a:gradFill>
-                <a:latin typeface="Segoe UI" pitchFamily="34" charset="0"/>
-                <a:ea typeface="Segoe UI" pitchFamily="34" charset="0"/>
-                <a:cs typeface="Segoe UI" pitchFamily="34" charset="0"/>
-              </a:rPr>
-              <a:t>Microsoft, </a:t>
-            </a:r>
-            <a:r>
-              <a:rPr lang="en-US" sz="400" dirty="0" smtClean="0">
-                <a:gradFill>
-                  <a:gsLst>
-                    <a:gs pos="0">
-                      <a:prstClr val="black"/>
-                    </a:gs>
-                    <a:gs pos="100000">
-                      <a:prstClr val="black"/>
-                    </a:gs>
-                  </a:gsLst>
-                  <a:lin ang="5400000" scaled="0"/>
-                </a:gradFill>
-                <a:latin typeface="Segoe UI" pitchFamily="34" charset="0"/>
-                <a:ea typeface="Segoe UI" pitchFamily="34" charset="0"/>
-                <a:cs typeface="Segoe UI" pitchFamily="34" charset="0"/>
-              </a:rPr>
-              <a:t>and other product names are or may be registered trademarks and/or trademarks in the U.S. and/or other countries.</a:t>
+              <a:t>© 2012 Microsoft Corporation. All rights reserved. Microsoft, Microsoft, and other product names are or may be registered trademarks and/or trademarks in the U.S. and/or other countries.</a:t>
             </a:r>
           </a:p>
           <a:p>
@@ -16100,7 +15175,7 @@
           <a:p>
             <a:fld id="{CC021316-1984-451C-9142-E4090A20721E}" type="datetime1">
               <a:rPr lang="en-US" smtClean="0"/>
-              <a:t>10/3/2014</a:t>
+              <a:t>6/5/2015</a:t>
             </a:fld>
             <a:endParaRPr lang="en-US" dirty="0"/>
           </a:p>
@@ -16243,45 +15318,7 @@
                 <a:ea typeface="Segoe UI" pitchFamily="34" charset="0"/>
                 <a:cs typeface="Segoe UI" pitchFamily="34" charset="0"/>
               </a:rPr>
-              <a:t>© 2012 Microsoft Corporation. All rights reserved. Microsoft, </a:t>
-            </a:r>
-            <a:r>
-              <a:rPr lang="en-US" sz="400" dirty="0" smtClean="0">
-                <a:gradFill>
-                  <a:gsLst>
-                    <a:gs pos="0">
-                      <a:prstClr val="black"/>
-                    </a:gs>
-                    <a:gs pos="100000">
-                      <a:prstClr val="black"/>
-                    </a:gs>
-                  </a:gsLst>
-                  <a:lin ang="5400000" scaled="0"/>
-                </a:gradFill>
-                <a:latin typeface="Segoe UI" pitchFamily="34" charset="0"/>
-                <a:ea typeface="Segoe UI" pitchFamily="34" charset="0"/>
-                <a:cs typeface="Segoe UI" pitchFamily="34" charset="0"/>
-              </a:rPr>
-              <a:t>Microsoft, </a:t>
-            </a:r>
-            <a:r>
-              <a:rPr lang="en-US" sz="400" dirty="0" smtClean="0">
-                <a:gradFill>
-                  <a:gsLst>
-                    <a:gs pos="0">
-                      <a:prstClr val="black"/>
-                    </a:gs>
-                    <a:gs pos="100000">
-                      <a:prstClr val="black"/>
-                    </a:gs>
-                  </a:gsLst>
-                  <a:lin ang="5400000" scaled="0"/>
-                </a:gradFill>
-                <a:latin typeface="Segoe UI" pitchFamily="34" charset="0"/>
-                <a:ea typeface="Segoe UI" pitchFamily="34" charset="0"/>
-                <a:cs typeface="Segoe UI" pitchFamily="34" charset="0"/>
-              </a:rPr>
-              <a:t>and other product names are or may be registered trademarks and/or trademarks in the U.S. and/or other countries.</a:t>
+              <a:t>© 2012 Microsoft Corporation. All rights reserved. Microsoft, Microsoft, and other product names are or may be registered trademarks and/or trademarks in the U.S. and/or other countries.</a:t>
             </a:r>
           </a:p>
           <a:p>
@@ -16325,7 +15362,7 @@
           <a:p>
             <a:fld id="{6C75721E-4881-43E6-8008-26B47D686F64}" type="datetime1">
               <a:rPr lang="en-US" smtClean="0"/>
-              <a:t>10/3/2014</a:t>
+              <a:t>6/5/2015</a:t>
             </a:fld>
             <a:endParaRPr lang="en-US" dirty="0"/>
           </a:p>
@@ -16468,45 +15505,7 @@
                 <a:ea typeface="Segoe UI" pitchFamily="34" charset="0"/>
                 <a:cs typeface="Segoe UI" pitchFamily="34" charset="0"/>
               </a:rPr>
-              <a:t>© 2012 Microsoft Corporation. All rights reserved. Microsoft, </a:t>
-            </a:r>
-            <a:r>
-              <a:rPr lang="en-US" sz="400" dirty="0" smtClean="0">
-                <a:gradFill>
-                  <a:gsLst>
-                    <a:gs pos="0">
-                      <a:prstClr val="black"/>
-                    </a:gs>
-                    <a:gs pos="100000">
-                      <a:prstClr val="black"/>
-                    </a:gs>
-                  </a:gsLst>
-                  <a:lin ang="5400000" scaled="0"/>
-                </a:gradFill>
-                <a:latin typeface="Segoe UI" pitchFamily="34" charset="0"/>
-                <a:ea typeface="Segoe UI" pitchFamily="34" charset="0"/>
-                <a:cs typeface="Segoe UI" pitchFamily="34" charset="0"/>
-              </a:rPr>
-              <a:t>Microsoft, </a:t>
-            </a:r>
-            <a:r>
-              <a:rPr lang="en-US" sz="400" dirty="0" smtClean="0">
-                <a:gradFill>
-                  <a:gsLst>
-                    <a:gs pos="0">
-                      <a:prstClr val="black"/>
-                    </a:gs>
-                    <a:gs pos="100000">
-                      <a:prstClr val="black"/>
-                    </a:gs>
-                  </a:gsLst>
-                  <a:lin ang="5400000" scaled="0"/>
-                </a:gradFill>
-                <a:latin typeface="Segoe UI" pitchFamily="34" charset="0"/>
-                <a:ea typeface="Segoe UI" pitchFamily="34" charset="0"/>
-                <a:cs typeface="Segoe UI" pitchFamily="34" charset="0"/>
-              </a:rPr>
-              <a:t>and other product names are or may be registered trademarks and/or trademarks in the U.S. and/or other countries.</a:t>
+              <a:t>© 2012 Microsoft Corporation. All rights reserved. Microsoft, Microsoft, and other product names are or may be registered trademarks and/or trademarks in the U.S. and/or other countries.</a:t>
             </a:r>
           </a:p>
           <a:p>
@@ -16550,7 +15549,7 @@
           <a:p>
             <a:fld id="{3981007E-56B8-4E4D-80F8-EC068B80625A}" type="datetime1">
               <a:rPr lang="en-US" smtClean="0"/>
-              <a:t>10/3/2014</a:t>
+              <a:t>6/5/2015</a:t>
             </a:fld>
             <a:endParaRPr lang="en-US" dirty="0"/>
           </a:p>
@@ -16693,45 +15692,7 @@
                 <a:ea typeface="Segoe UI" pitchFamily="34" charset="0"/>
                 <a:cs typeface="Segoe UI" pitchFamily="34" charset="0"/>
               </a:rPr>
-              <a:t>© 2012 Microsoft Corporation. All rights reserved. Microsoft, </a:t>
-            </a:r>
-            <a:r>
-              <a:rPr lang="en-US" sz="400" dirty="0" smtClean="0">
-                <a:gradFill>
-                  <a:gsLst>
-                    <a:gs pos="0">
-                      <a:prstClr val="black"/>
-                    </a:gs>
-                    <a:gs pos="100000">
-                      <a:prstClr val="black"/>
-                    </a:gs>
-                  </a:gsLst>
-                  <a:lin ang="5400000" scaled="0"/>
-                </a:gradFill>
-                <a:latin typeface="Segoe UI" pitchFamily="34" charset="0"/>
-                <a:ea typeface="Segoe UI" pitchFamily="34" charset="0"/>
-                <a:cs typeface="Segoe UI" pitchFamily="34" charset="0"/>
-              </a:rPr>
-              <a:t>Microsoft, </a:t>
-            </a:r>
-            <a:r>
-              <a:rPr lang="en-US" sz="400" dirty="0" smtClean="0">
-                <a:gradFill>
-                  <a:gsLst>
-                    <a:gs pos="0">
-                      <a:prstClr val="black"/>
-                    </a:gs>
-                    <a:gs pos="100000">
-                      <a:prstClr val="black"/>
-                    </a:gs>
-                  </a:gsLst>
-                  <a:lin ang="5400000" scaled="0"/>
-                </a:gradFill>
-                <a:latin typeface="Segoe UI" pitchFamily="34" charset="0"/>
-                <a:ea typeface="Segoe UI" pitchFamily="34" charset="0"/>
-                <a:cs typeface="Segoe UI" pitchFamily="34" charset="0"/>
-              </a:rPr>
-              <a:t>and other product names are or may be registered trademarks and/or trademarks in the U.S. and/or other countries.</a:t>
+              <a:t>© 2012 Microsoft Corporation. All rights reserved. Microsoft, Microsoft, and other product names are or may be registered trademarks and/or trademarks in the U.S. and/or other countries.</a:t>
             </a:r>
           </a:p>
           <a:p>
@@ -16775,7 +15736,7 @@
           <a:p>
             <a:fld id="{3981007E-56B8-4E4D-80F8-EC068B80625A}" type="datetime1">
               <a:rPr lang="en-US" smtClean="0"/>
-              <a:t>10/3/2014</a:t>
+              <a:t>6/5/2015</a:t>
             </a:fld>
             <a:endParaRPr lang="en-US" dirty="0"/>
           </a:p>
@@ -16918,45 +15879,7 @@
                 <a:ea typeface="Segoe UI" pitchFamily="34" charset="0"/>
                 <a:cs typeface="Segoe UI" pitchFamily="34" charset="0"/>
               </a:rPr>
-              <a:t>© 2012 Microsoft Corporation. All rights reserved. Microsoft, </a:t>
-            </a:r>
-            <a:r>
-              <a:rPr lang="en-US" sz="400" dirty="0" smtClean="0">
-                <a:gradFill>
-                  <a:gsLst>
-                    <a:gs pos="0">
-                      <a:prstClr val="black"/>
-                    </a:gs>
-                    <a:gs pos="100000">
-                      <a:prstClr val="black"/>
-                    </a:gs>
-                  </a:gsLst>
-                  <a:lin ang="5400000" scaled="0"/>
-                </a:gradFill>
-                <a:latin typeface="Segoe UI" pitchFamily="34" charset="0"/>
-                <a:ea typeface="Segoe UI" pitchFamily="34" charset="0"/>
-                <a:cs typeface="Segoe UI" pitchFamily="34" charset="0"/>
-              </a:rPr>
-              <a:t>Microsoft, </a:t>
-            </a:r>
-            <a:r>
-              <a:rPr lang="en-US" sz="400" dirty="0" smtClean="0">
-                <a:gradFill>
-                  <a:gsLst>
-                    <a:gs pos="0">
-                      <a:prstClr val="black"/>
-                    </a:gs>
-                    <a:gs pos="100000">
-                      <a:prstClr val="black"/>
-                    </a:gs>
-                  </a:gsLst>
-                  <a:lin ang="5400000" scaled="0"/>
-                </a:gradFill>
-                <a:latin typeface="Segoe UI" pitchFamily="34" charset="0"/>
-                <a:ea typeface="Segoe UI" pitchFamily="34" charset="0"/>
-                <a:cs typeface="Segoe UI" pitchFamily="34" charset="0"/>
-              </a:rPr>
-              <a:t>and other product names are or may be registered trademarks and/or trademarks in the U.S. and/or other countries.</a:t>
+              <a:t>© 2012 Microsoft Corporation. All rights reserved. Microsoft, Microsoft, and other product names are or may be registered trademarks and/or trademarks in the U.S. and/or other countries.</a:t>
             </a:r>
           </a:p>
           <a:p>
@@ -17000,7 +15923,7 @@
           <a:p>
             <a:fld id="{3981007E-56B8-4E4D-80F8-EC068B80625A}" type="datetime1">
               <a:rPr lang="en-US" smtClean="0"/>
-              <a:t>10/3/2014</a:t>
+              <a:t>6/5/2015</a:t>
             </a:fld>
             <a:endParaRPr lang="en-US" dirty="0"/>
           </a:p>
@@ -17313,45 +16236,7 @@
                 <a:ea typeface="Segoe UI" pitchFamily="34" charset="0"/>
                 <a:cs typeface="Segoe UI" pitchFamily="34" charset="0"/>
               </a:rPr>
-              <a:t>© 2012 Microsoft Corporation. All rights reserved. Microsoft, </a:t>
-            </a:r>
-            <a:r>
-              <a:rPr lang="en-US" sz="400" dirty="0" smtClean="0">
-                <a:gradFill>
-                  <a:gsLst>
-                    <a:gs pos="0">
-                      <a:prstClr val="black"/>
-                    </a:gs>
-                    <a:gs pos="100000">
-                      <a:prstClr val="black"/>
-                    </a:gs>
-                  </a:gsLst>
-                  <a:lin ang="5400000" scaled="0"/>
-                </a:gradFill>
-                <a:latin typeface="Segoe UI" pitchFamily="34" charset="0"/>
-                <a:ea typeface="Segoe UI" pitchFamily="34" charset="0"/>
-                <a:cs typeface="Segoe UI" pitchFamily="34" charset="0"/>
-              </a:rPr>
-              <a:t>Microsoft, </a:t>
-            </a:r>
-            <a:r>
-              <a:rPr lang="en-US" sz="400" dirty="0" smtClean="0">
-                <a:gradFill>
-                  <a:gsLst>
-                    <a:gs pos="0">
-                      <a:prstClr val="black"/>
-                    </a:gs>
-                    <a:gs pos="100000">
-                      <a:prstClr val="black"/>
-                    </a:gs>
-                  </a:gsLst>
-                  <a:lin ang="5400000" scaled="0"/>
-                </a:gradFill>
-                <a:latin typeface="Segoe UI" pitchFamily="34" charset="0"/>
-                <a:ea typeface="Segoe UI" pitchFamily="34" charset="0"/>
-                <a:cs typeface="Segoe UI" pitchFamily="34" charset="0"/>
-              </a:rPr>
-              <a:t>and other product names are or may be registered trademarks and/or trademarks in the U.S. and/or other countries.</a:t>
+              <a:t>© 2012 Microsoft Corporation. All rights reserved. Microsoft, Microsoft, and other product names are or may be registered trademarks and/or trademarks in the U.S. and/or other countries.</a:t>
             </a:r>
           </a:p>
           <a:p>
@@ -17395,7 +16280,7 @@
           <a:p>
             <a:fld id="{684D7E90-17F8-419C-9863-373D55ADD8E6}" type="datetime1">
               <a:rPr lang="en-US" smtClean="0"/>
-              <a:t>10/3/2014</a:t>
+              <a:t>6/5/2015</a:t>
             </a:fld>
             <a:endParaRPr lang="en-US" dirty="0"/>
           </a:p>
@@ -17546,45 +16431,7 @@
                 <a:ea typeface="Segoe UI" pitchFamily="34" charset="0"/>
                 <a:cs typeface="Segoe UI" pitchFamily="34" charset="0"/>
               </a:rPr>
-              <a:t>© 2012 Microsoft Corporation. All rights reserved. Microsoft, </a:t>
-            </a:r>
-            <a:r>
-              <a:rPr lang="en-US" sz="400" dirty="0" smtClean="0">
-                <a:gradFill>
-                  <a:gsLst>
-                    <a:gs pos="0">
-                      <a:prstClr val="black"/>
-                    </a:gs>
-                    <a:gs pos="100000">
-                      <a:prstClr val="black"/>
-                    </a:gs>
-                  </a:gsLst>
-                  <a:lin ang="5400000" scaled="0"/>
-                </a:gradFill>
-                <a:latin typeface="Segoe UI" pitchFamily="34" charset="0"/>
-                <a:ea typeface="Segoe UI" pitchFamily="34" charset="0"/>
-                <a:cs typeface="Segoe UI" pitchFamily="34" charset="0"/>
-              </a:rPr>
-              <a:t>Microsoft, </a:t>
-            </a:r>
-            <a:r>
-              <a:rPr lang="en-US" sz="400" dirty="0" smtClean="0">
-                <a:gradFill>
-                  <a:gsLst>
-                    <a:gs pos="0">
-                      <a:prstClr val="black"/>
-                    </a:gs>
-                    <a:gs pos="100000">
-                      <a:prstClr val="black"/>
-                    </a:gs>
-                  </a:gsLst>
-                  <a:lin ang="5400000" scaled="0"/>
-                </a:gradFill>
-                <a:latin typeface="Segoe UI" pitchFamily="34" charset="0"/>
-                <a:ea typeface="Segoe UI" pitchFamily="34" charset="0"/>
-                <a:cs typeface="Segoe UI" pitchFamily="34" charset="0"/>
-              </a:rPr>
-              <a:t>and other product names are or may be registered trademarks and/or trademarks in the U.S. and/or other countries.</a:t>
+              <a:t>© 2012 Microsoft Corporation. All rights reserved. Microsoft, Microsoft, and other product names are or may be registered trademarks and/or trademarks in the U.S. and/or other countries.</a:t>
             </a:r>
           </a:p>
           <a:p>
@@ -17628,7 +16475,7 @@
           <a:p>
             <a:fld id="{76D04415-B59E-4C7B-B9F3-190CA9C2CD82}" type="datetime1">
               <a:rPr lang="en-US" smtClean="0"/>
-              <a:t>10/3/2014</a:t>
+              <a:t>6/5/2015</a:t>
             </a:fld>
             <a:endParaRPr lang="en-US" dirty="0"/>
           </a:p>
@@ -38205,8 +37052,13 @@
             </a:pPr>
             <a:r>
               <a:rPr lang="en-US" dirty="0" smtClean="0"/>
-              <a:t>One Project: Web Forms, MVC, Web API</a:t>
+              <a:t>One Project: Web Forms, MVC, Web </a:t>
             </a:r>
+            <a:r>
+              <a:rPr lang="en-US" dirty="0" smtClean="0"/>
+              <a:t>API</a:t>
+            </a:r>
+            <a:endParaRPr lang="en-US" dirty="0" smtClean="0"/>
           </a:p>
           <a:p>
             <a:pPr marL="454418" lvl="1" indent="-227209">
@@ -38272,7 +37124,15 @@
             </a:br>
             <a:r>
               <a:rPr lang="en-US" sz="2400" dirty="0"/>
-              <a:t>SSO, Remote Debugging, Web Sites, </a:t>
+              <a:t>SSO, Remote Debugging, Web </a:t>
+            </a:r>
+            <a:r>
+              <a:rPr lang="en-US" sz="2400" dirty="0" smtClean="0"/>
+              <a:t>Apps, </a:t>
+            </a:r>
+            <a:r>
+              <a:rPr lang="en-US" sz="2400" dirty="0"/>
+              <a:t/>
             </a:r>
             <a:br>
               <a:rPr lang="en-US" sz="2400" dirty="0"/>
@@ -38282,8 +37142,12 @@
               <a:t>Mobile </a:t>
             </a:r>
             <a:r>
+              <a:rPr lang="en-US" sz="2400" dirty="0" smtClean="0"/>
+              <a:t>Apps, </a:t>
+            </a:r>
+            <a:r>
               <a:rPr lang="en-US" sz="2400" dirty="0"/>
-              <a:t>Services, Mgmt APIs, Log DL</a:t>
+              <a:t>Mgmt APIs, Log DL</a:t>
             </a:r>
           </a:p>
           <a:p>
@@ -43092,8 +41956,8 @@
         </p:blipFill>
         <p:spPr>
           <a:xfrm>
-            <a:off x="2794951" y="2058882"/>
-            <a:ext cx="6611516" cy="4110142"/>
+            <a:off x="3348701" y="2058882"/>
+            <a:ext cx="5504016" cy="4110142"/>
           </a:xfrm>
           <a:prstGeom prst="rect">
             <a:avLst/>
